--- a/doc/flow.pptx
+++ b/doc/flow.pptx
@@ -3364,10 +3364,10 @@
           <a:p>
             <a:pPr algn="ctr"/>
             <a:r>
-              <a:rPr lang="ko-KR" altLang="en-US" dirty="0" err="1"/>
+              <a:rPr lang="ko-KR" altLang="en-US" sz="1200" dirty="0" err="1"/>
               <a:t>발송자</a:t>
             </a:r>
-            <a:endParaRPr lang="ko-KR" altLang="en-US" dirty="0"/>
+            <a:endParaRPr lang="ko-KR" altLang="en-US" sz="1200" dirty="0"/>
           </a:p>
         </p:txBody>
       </p:sp>
@@ -3386,7 +3386,7 @@
         <p:spPr>
           <a:xfrm>
             <a:off x="2205927" y="3795832"/>
-            <a:ext cx="1411164" cy="386397"/>
+            <a:ext cx="1211311" cy="386397"/>
           </a:xfrm>
           <a:prstGeom prst="roundRect">
             <a:avLst/>
@@ -3414,7 +3414,7 @@
           <a:p>
             <a:pPr algn="ctr"/>
             <a:r>
-              <a:rPr lang="ko-KR" altLang="en-US" dirty="0"/>
+              <a:rPr lang="ko-KR" altLang="en-US" sz="1200" dirty="0"/>
               <a:t>간이모음자</a:t>
             </a:r>
           </a:p>
@@ -3434,8 +3434,8 @@
         </p:nvSpPr>
         <p:spPr>
           <a:xfrm>
-            <a:off x="3973819" y="2987217"/>
-            <a:ext cx="1520861" cy="386397"/>
+            <a:off x="5092505" y="2905507"/>
+            <a:ext cx="1305473" cy="386397"/>
           </a:xfrm>
           <a:prstGeom prst="roundRect">
             <a:avLst/>
@@ -3463,7 +3463,7 @@
           <a:p>
             <a:pPr algn="ctr"/>
             <a:r>
-              <a:rPr lang="ko-KR" altLang="en-US" dirty="0"/>
+              <a:rPr lang="ko-KR" altLang="en-US" sz="1200" dirty="0"/>
               <a:t>신규구분자</a:t>
             </a:r>
           </a:p>
@@ -3483,7 +3483,7 @@
         </p:nvSpPr>
         <p:spPr>
           <a:xfrm>
-            <a:off x="3973819" y="1753462"/>
+            <a:off x="3417238" y="1753462"/>
             <a:ext cx="1520861" cy="790606"/>
           </a:xfrm>
           <a:prstGeom prst="roundRect">
@@ -3512,19 +3512,19 @@
           <a:p>
             <a:pPr algn="ctr"/>
             <a:r>
-              <a:rPr lang="ko-KR" altLang="en-US" dirty="0" err="1"/>
+              <a:rPr lang="ko-KR" altLang="en-US" sz="1200" dirty="0" err="1"/>
               <a:t>저장자</a:t>
             </a:r>
-            <a:endParaRPr lang="ko-KR" altLang="en-US" dirty="0"/>
-          </a:p>
-        </p:txBody>
-      </p:sp>
-      <p:sp>
-        <p:nvSpPr>
-          <p:cNvPr id="9" name="사각형: 둥근 모서리 8">
-            <a:extLst>
-              <a:ext uri="{FF2B5EF4-FFF2-40B4-BE49-F238E27FC236}">
-                <a16:creationId xmlns:a16="http://schemas.microsoft.com/office/drawing/2014/main" id="{0210BC02-8658-4B5F-AD89-48039BF70D0A}"/>
+            <a:endParaRPr lang="ko-KR" altLang="en-US" sz="1200" dirty="0"/>
+          </a:p>
+        </p:txBody>
+      </p:sp>
+      <p:sp>
+        <p:nvSpPr>
+          <p:cNvPr id="11" name="사각형: 둥근 모서리 10">
+            <a:extLst>
+              <a:ext uri="{FF2B5EF4-FFF2-40B4-BE49-F238E27FC236}">
+                <a16:creationId xmlns:a16="http://schemas.microsoft.com/office/drawing/2014/main" id="{3D63BAFE-440E-4261-BAD2-DB0D0232CD12}"/>
               </a:ext>
             </a:extLst>
           </p:cNvPr>
@@ -3533,7 +3533,755 @@
         </p:nvSpPr>
         <p:spPr>
           <a:xfrm>
-            <a:off x="2911509" y="4259063"/>
+            <a:off x="7657431" y="3297721"/>
+            <a:ext cx="975360" cy="468947"/>
+          </a:xfrm>
+          <a:prstGeom prst="roundRect">
+            <a:avLst/>
+          </a:prstGeom>
+        </p:spPr>
+        <p:style>
+          <a:lnRef idx="2">
+            <a:schemeClr val="accent2">
+              <a:shade val="50000"/>
+            </a:schemeClr>
+          </a:lnRef>
+          <a:fillRef idx="1">
+            <a:schemeClr val="accent2"/>
+          </a:fillRef>
+          <a:effectRef idx="0">
+            <a:schemeClr val="accent2"/>
+          </a:effectRef>
+          <a:fontRef idx="minor">
+            <a:schemeClr val="lt1"/>
+          </a:fontRef>
+        </p:style>
+        <p:txBody>
+          <a:bodyPr rtlCol="0" anchor="ctr"/>
+          <a:lstStyle/>
+          <a:p>
+            <a:pPr algn="ctr"/>
+            <a:r>
+              <a:rPr lang="ko-KR" altLang="en-US" sz="800" dirty="0"/>
+              <a:t>없어진 것들</a:t>
+            </a:r>
+          </a:p>
+        </p:txBody>
+      </p:sp>
+      <p:sp>
+        <p:nvSpPr>
+          <p:cNvPr id="12" name="사각형: 둥근 모서리 11">
+            <a:extLst>
+              <a:ext uri="{FF2B5EF4-FFF2-40B4-BE49-F238E27FC236}">
+                <a16:creationId xmlns:a16="http://schemas.microsoft.com/office/drawing/2014/main" id="{4412E7AA-3942-495C-9731-5877FC099F16}"/>
+              </a:ext>
+            </a:extLst>
+          </p:cNvPr>
+          <p:cNvSpPr/>
+          <p:nvPr/>
+        </p:nvSpPr>
+        <p:spPr>
+          <a:xfrm>
+            <a:off x="6135446" y="3312303"/>
+            <a:ext cx="975360" cy="468947"/>
+          </a:xfrm>
+          <a:prstGeom prst="roundRect">
+            <a:avLst/>
+          </a:prstGeom>
+        </p:spPr>
+        <p:style>
+          <a:lnRef idx="2">
+            <a:schemeClr val="accent2">
+              <a:shade val="50000"/>
+            </a:schemeClr>
+          </a:lnRef>
+          <a:fillRef idx="1">
+            <a:schemeClr val="accent2"/>
+          </a:fillRef>
+          <a:effectRef idx="0">
+            <a:schemeClr val="accent2"/>
+          </a:effectRef>
+          <a:fontRef idx="minor">
+            <a:schemeClr val="lt1"/>
+          </a:fontRef>
+        </p:style>
+        <p:txBody>
+          <a:bodyPr rtlCol="0" anchor="ctr"/>
+          <a:lstStyle/>
+          <a:p>
+            <a:pPr algn="ctr"/>
+            <a:r>
+              <a:rPr lang="ko-KR" altLang="en-US" sz="800" dirty="0"/>
+              <a:t>새로운 것들</a:t>
+            </a:r>
+          </a:p>
+        </p:txBody>
+      </p:sp>
+      <p:sp>
+        <p:nvSpPr>
+          <p:cNvPr id="13" name="사각형: 둥근 모서리 12">
+            <a:extLst>
+              <a:ext uri="{FF2B5EF4-FFF2-40B4-BE49-F238E27FC236}">
+                <a16:creationId xmlns:a16="http://schemas.microsoft.com/office/drawing/2014/main" id="{F44BDA3A-9226-4B0C-9000-2B4AB2E85C3D}"/>
+              </a:ext>
+            </a:extLst>
+          </p:cNvPr>
+          <p:cNvSpPr/>
+          <p:nvPr/>
+        </p:nvSpPr>
+        <p:spPr>
+          <a:xfrm>
+            <a:off x="9677991" y="3277698"/>
+            <a:ext cx="975360" cy="468947"/>
+          </a:xfrm>
+          <a:prstGeom prst="roundRect">
+            <a:avLst/>
+          </a:prstGeom>
+        </p:spPr>
+        <p:style>
+          <a:lnRef idx="2">
+            <a:schemeClr val="accent2">
+              <a:shade val="50000"/>
+            </a:schemeClr>
+          </a:lnRef>
+          <a:fillRef idx="1">
+            <a:schemeClr val="accent2"/>
+          </a:fillRef>
+          <a:effectRef idx="0">
+            <a:schemeClr val="accent2"/>
+          </a:effectRef>
+          <a:fontRef idx="minor">
+            <a:schemeClr val="lt1"/>
+          </a:fontRef>
+        </p:style>
+        <p:txBody>
+          <a:bodyPr rtlCol="0" anchor="ctr"/>
+          <a:lstStyle/>
+          <a:p>
+            <a:pPr algn="ctr"/>
+            <a:r>
+              <a:rPr lang="ko-KR" altLang="en-US" sz="800" dirty="0"/>
+              <a:t>다시 주목할 것들</a:t>
+            </a:r>
+          </a:p>
+        </p:txBody>
+      </p:sp>
+      <p:sp>
+        <p:nvSpPr>
+          <p:cNvPr id="14" name="사각형: 둥근 모서리 13">
+            <a:extLst>
+              <a:ext uri="{FF2B5EF4-FFF2-40B4-BE49-F238E27FC236}">
+                <a16:creationId xmlns:a16="http://schemas.microsoft.com/office/drawing/2014/main" id="{58E45F1F-F12F-4427-8BAE-E3C2A5970EB4}"/>
+              </a:ext>
+            </a:extLst>
+          </p:cNvPr>
+          <p:cNvSpPr/>
+          <p:nvPr/>
+        </p:nvSpPr>
+        <p:spPr>
+          <a:xfrm>
+            <a:off x="186241" y="3737951"/>
+            <a:ext cx="1212116" cy="471784"/>
+          </a:xfrm>
+          <a:prstGeom prst="roundRect">
+            <a:avLst/>
+          </a:prstGeom>
+        </p:spPr>
+        <p:style>
+          <a:lnRef idx="2">
+            <a:schemeClr val="accent2">
+              <a:shade val="50000"/>
+            </a:schemeClr>
+          </a:lnRef>
+          <a:fillRef idx="1">
+            <a:schemeClr val="accent2"/>
+          </a:fillRef>
+          <a:effectRef idx="0">
+            <a:schemeClr val="accent2"/>
+          </a:effectRef>
+          <a:fontRef idx="minor">
+            <a:schemeClr val="lt1"/>
+          </a:fontRef>
+        </p:style>
+        <p:txBody>
+          <a:bodyPr rtlCol="0" anchor="ctr"/>
+          <a:lstStyle/>
+          <a:p>
+            <a:pPr algn="ctr"/>
+            <a:r>
+              <a:rPr lang="en-US" altLang="ko-KR" sz="1200" dirty="0"/>
+              <a:t>row</a:t>
+            </a:r>
+            <a:endParaRPr lang="ko-KR" altLang="en-US" sz="1200" dirty="0"/>
+          </a:p>
+        </p:txBody>
+      </p:sp>
+      <p:sp>
+        <p:nvSpPr>
+          <p:cNvPr id="21" name="사각형: 둥근 모서리 20">
+            <a:extLst>
+              <a:ext uri="{FF2B5EF4-FFF2-40B4-BE49-F238E27FC236}">
+                <a16:creationId xmlns:a16="http://schemas.microsoft.com/office/drawing/2014/main" id="{9B5DCC2B-AEAC-4370-84EA-5EAFB6404F86}"/>
+              </a:ext>
+            </a:extLst>
+          </p:cNvPr>
+          <p:cNvSpPr/>
+          <p:nvPr/>
+        </p:nvSpPr>
+        <p:spPr>
+          <a:xfrm>
+            <a:off x="2187741" y="2970601"/>
+            <a:ext cx="1211311" cy="386397"/>
+          </a:xfrm>
+          <a:prstGeom prst="roundRect">
+            <a:avLst/>
+          </a:prstGeom>
+        </p:spPr>
+        <p:style>
+          <a:lnRef idx="2">
+            <a:schemeClr val="accent1">
+              <a:shade val="50000"/>
+            </a:schemeClr>
+          </a:lnRef>
+          <a:fillRef idx="1">
+            <a:schemeClr val="accent1"/>
+          </a:fillRef>
+          <a:effectRef idx="0">
+            <a:schemeClr val="accent1"/>
+          </a:effectRef>
+          <a:fontRef idx="minor">
+            <a:schemeClr val="lt1"/>
+          </a:fontRef>
+        </p:style>
+        <p:txBody>
+          <a:bodyPr rtlCol="0" anchor="ctr"/>
+          <a:lstStyle/>
+          <a:p>
+            <a:pPr algn="ctr"/>
+            <a:r>
+              <a:rPr lang="ko-KR" altLang="en-US" sz="1200" dirty="0"/>
+              <a:t>세부모음자</a:t>
+            </a:r>
+          </a:p>
+        </p:txBody>
+      </p:sp>
+      <p:sp>
+        <p:nvSpPr>
+          <p:cNvPr id="25" name="사각형: 둥근 모서리 24">
+            <a:extLst>
+              <a:ext uri="{FF2B5EF4-FFF2-40B4-BE49-F238E27FC236}">
+                <a16:creationId xmlns:a16="http://schemas.microsoft.com/office/drawing/2014/main" id="{E49E9796-8036-4875-BDF4-3330063569FB}"/>
+              </a:ext>
+            </a:extLst>
+          </p:cNvPr>
+          <p:cNvSpPr/>
+          <p:nvPr/>
+        </p:nvSpPr>
+        <p:spPr>
+          <a:xfrm>
+            <a:off x="183072" y="2907313"/>
+            <a:ext cx="1212116" cy="471784"/>
+          </a:xfrm>
+          <a:prstGeom prst="roundRect">
+            <a:avLst/>
+          </a:prstGeom>
+        </p:spPr>
+        <p:style>
+          <a:lnRef idx="2">
+            <a:schemeClr val="accent2">
+              <a:shade val="50000"/>
+            </a:schemeClr>
+          </a:lnRef>
+          <a:fillRef idx="1">
+            <a:schemeClr val="accent2"/>
+          </a:fillRef>
+          <a:effectRef idx="0">
+            <a:schemeClr val="accent2"/>
+          </a:effectRef>
+          <a:fontRef idx="minor">
+            <a:schemeClr val="lt1"/>
+          </a:fontRef>
+        </p:style>
+        <p:txBody>
+          <a:bodyPr rtlCol="0" anchor="ctr"/>
+          <a:lstStyle/>
+          <a:p>
+            <a:pPr algn="ctr"/>
+            <a:r>
+              <a:rPr lang="en-US" altLang="ko-KR" sz="1200" dirty="0"/>
+              <a:t>row</a:t>
+            </a:r>
+            <a:endParaRPr lang="ko-KR" altLang="en-US" sz="1200" dirty="0"/>
+          </a:p>
+        </p:txBody>
+      </p:sp>
+      <p:sp>
+        <p:nvSpPr>
+          <p:cNvPr id="33" name="사각형: 둥근 모서리 32">
+            <a:extLst>
+              <a:ext uri="{FF2B5EF4-FFF2-40B4-BE49-F238E27FC236}">
+                <a16:creationId xmlns:a16="http://schemas.microsoft.com/office/drawing/2014/main" id="{6139EA09-0BBE-45EE-8BE2-BF4A8F4F9364}"/>
+              </a:ext>
+            </a:extLst>
+          </p:cNvPr>
+          <p:cNvSpPr/>
+          <p:nvPr/>
+        </p:nvSpPr>
+        <p:spPr>
+          <a:xfrm>
+            <a:off x="6803385" y="2919549"/>
+            <a:ext cx="1332623" cy="386397"/>
+          </a:xfrm>
+          <a:prstGeom prst="roundRect">
+            <a:avLst/>
+          </a:prstGeom>
+        </p:spPr>
+        <p:style>
+          <a:lnRef idx="2">
+            <a:schemeClr val="accent1">
+              <a:shade val="50000"/>
+            </a:schemeClr>
+          </a:lnRef>
+          <a:fillRef idx="1">
+            <a:schemeClr val="accent1"/>
+          </a:fillRef>
+          <a:effectRef idx="0">
+            <a:schemeClr val="accent1"/>
+          </a:effectRef>
+          <a:fontRef idx="minor">
+            <a:schemeClr val="lt1"/>
+          </a:fontRef>
+        </p:style>
+        <p:txBody>
+          <a:bodyPr rtlCol="0" anchor="ctr"/>
+          <a:lstStyle/>
+          <a:p>
+            <a:pPr algn="ctr"/>
+            <a:r>
+              <a:rPr lang="ko-KR" altLang="en-US" sz="1200" dirty="0"/>
+              <a:t>삭제구분자</a:t>
+            </a:r>
+          </a:p>
+        </p:txBody>
+      </p:sp>
+      <p:sp>
+        <p:nvSpPr>
+          <p:cNvPr id="34" name="사각형: 둥근 모서리 33">
+            <a:extLst>
+              <a:ext uri="{FF2B5EF4-FFF2-40B4-BE49-F238E27FC236}">
+                <a16:creationId xmlns:a16="http://schemas.microsoft.com/office/drawing/2014/main" id="{CBB579C1-090D-470B-B6BF-61EAD48D9D44}"/>
+              </a:ext>
+            </a:extLst>
+          </p:cNvPr>
+          <p:cNvSpPr/>
+          <p:nvPr/>
+        </p:nvSpPr>
+        <p:spPr>
+          <a:xfrm>
+            <a:off x="3554046" y="3795832"/>
+            <a:ext cx="6211242" cy="391838"/>
+          </a:xfrm>
+          <a:prstGeom prst="roundRect">
+            <a:avLst/>
+          </a:prstGeom>
+        </p:spPr>
+        <p:style>
+          <a:lnRef idx="2">
+            <a:schemeClr val="accent1">
+              <a:shade val="50000"/>
+            </a:schemeClr>
+          </a:lnRef>
+          <a:fillRef idx="1">
+            <a:schemeClr val="accent1"/>
+          </a:fillRef>
+          <a:effectRef idx="0">
+            <a:schemeClr val="accent1"/>
+          </a:effectRef>
+          <a:fontRef idx="minor">
+            <a:schemeClr val="lt1"/>
+          </a:fontRef>
+        </p:style>
+        <p:txBody>
+          <a:bodyPr rtlCol="0" anchor="ctr"/>
+          <a:lstStyle/>
+          <a:p>
+            <a:pPr algn="ctr"/>
+            <a:r>
+              <a:rPr lang="ko-KR" altLang="en-US" sz="1200" dirty="0" err="1"/>
+              <a:t>구분자</a:t>
+            </a:r>
+            <a:endParaRPr lang="ko-KR" altLang="en-US" sz="1200" dirty="0"/>
+          </a:p>
+        </p:txBody>
+      </p:sp>
+      <p:sp>
+        <p:nvSpPr>
+          <p:cNvPr id="38" name="사각형: 둥근 모서리 37">
+            <a:extLst>
+              <a:ext uri="{FF2B5EF4-FFF2-40B4-BE49-F238E27FC236}">
+                <a16:creationId xmlns:a16="http://schemas.microsoft.com/office/drawing/2014/main" id="{8627FB6D-6E44-479C-9AE3-DE617A1C1991}"/>
+              </a:ext>
+            </a:extLst>
+          </p:cNvPr>
+          <p:cNvSpPr/>
+          <p:nvPr/>
+        </p:nvSpPr>
+        <p:spPr>
+          <a:xfrm>
+            <a:off x="2220311" y="4609888"/>
+            <a:ext cx="7544976" cy="613475"/>
+          </a:xfrm>
+          <a:prstGeom prst="roundRect">
+            <a:avLst/>
+          </a:prstGeom>
+        </p:spPr>
+        <p:style>
+          <a:lnRef idx="2">
+            <a:schemeClr val="accent1">
+              <a:shade val="50000"/>
+            </a:schemeClr>
+          </a:lnRef>
+          <a:fillRef idx="1">
+            <a:schemeClr val="accent1"/>
+          </a:fillRef>
+          <a:effectRef idx="0">
+            <a:schemeClr val="accent1"/>
+          </a:effectRef>
+          <a:fontRef idx="minor">
+            <a:schemeClr val="lt1"/>
+          </a:fontRef>
+        </p:style>
+        <p:txBody>
+          <a:bodyPr rtlCol="0" anchor="ctr"/>
+          <a:lstStyle/>
+          <a:p>
+            <a:pPr algn="ctr"/>
+            <a:r>
+              <a:rPr lang="ko-KR" altLang="en-US" sz="1200" dirty="0"/>
+              <a:t>흐름관리자</a:t>
+            </a:r>
+            <a:endParaRPr lang="en-US" altLang="ko-KR" sz="1200" dirty="0"/>
+          </a:p>
+          <a:p>
+            <a:pPr algn="ctr"/>
+            <a:r>
+              <a:rPr lang="en-US" altLang="ko-KR" sz="1200" dirty="0"/>
+              <a:t>(</a:t>
+            </a:r>
+            <a:r>
+              <a:rPr lang="ko-KR" altLang="en-US" sz="1200" dirty="0"/>
+              <a:t>서비스</a:t>
+            </a:r>
+            <a:r>
+              <a:rPr lang="en-US" altLang="ko-KR" sz="1200" dirty="0"/>
+              <a:t>)</a:t>
+            </a:r>
+            <a:endParaRPr lang="ko-KR" altLang="en-US" sz="1200" dirty="0"/>
+          </a:p>
+        </p:txBody>
+      </p:sp>
+      <p:sp>
+        <p:nvSpPr>
+          <p:cNvPr id="39" name="TextBox 38">
+            <a:extLst>
+              <a:ext uri="{FF2B5EF4-FFF2-40B4-BE49-F238E27FC236}">
+                <a16:creationId xmlns:a16="http://schemas.microsoft.com/office/drawing/2014/main" id="{9E775F7F-2A71-4A4F-B06E-C15DC8E73D30}"/>
+              </a:ext>
+            </a:extLst>
+          </p:cNvPr>
+          <p:cNvSpPr txBox="1"/>
+          <p:nvPr/>
+        </p:nvSpPr>
+        <p:spPr>
+          <a:xfrm>
+            <a:off x="1671020" y="4740491"/>
+            <a:ext cx="423514" cy="276999"/>
+          </a:xfrm>
+          <a:prstGeom prst="rect">
+            <a:avLst/>
+          </a:prstGeom>
+          <a:noFill/>
+        </p:spPr>
+        <p:txBody>
+          <a:bodyPr wrap="square" rtlCol="0">
+            <a:spAutoFit/>
+          </a:bodyPr>
+          <a:lstStyle/>
+          <a:p>
+            <a:r>
+              <a:rPr lang="en-US" altLang="ko-KR" sz="1200" dirty="0"/>
+              <a:t>1</a:t>
+            </a:r>
+            <a:r>
+              <a:rPr lang="ko-KR" altLang="en-US" sz="1200" dirty="0"/>
+              <a:t>▶</a:t>
+            </a:r>
+          </a:p>
+        </p:txBody>
+      </p:sp>
+      <p:sp>
+        <p:nvSpPr>
+          <p:cNvPr id="40" name="TextBox 39">
+            <a:extLst>
+              <a:ext uri="{FF2B5EF4-FFF2-40B4-BE49-F238E27FC236}">
+                <a16:creationId xmlns:a16="http://schemas.microsoft.com/office/drawing/2014/main" id="{5C7EF31A-4837-440A-8C5B-2DB6EBCB8DE2}"/>
+              </a:ext>
+            </a:extLst>
+          </p:cNvPr>
+          <p:cNvSpPr txBox="1"/>
+          <p:nvPr/>
+        </p:nvSpPr>
+        <p:spPr>
+          <a:xfrm>
+            <a:off x="1645605" y="3784657"/>
+            <a:ext cx="423514" cy="276999"/>
+          </a:xfrm>
+          <a:prstGeom prst="rect">
+            <a:avLst/>
+          </a:prstGeom>
+          <a:noFill/>
+        </p:spPr>
+        <p:txBody>
+          <a:bodyPr wrap="square" rtlCol="0">
+            <a:spAutoFit/>
+          </a:bodyPr>
+          <a:lstStyle/>
+          <a:p>
+            <a:r>
+              <a:rPr lang="ko-KR" altLang="en-US" sz="1200" dirty="0"/>
+              <a:t>◀</a:t>
+            </a:r>
+            <a:r>
+              <a:rPr lang="en-US" altLang="ko-KR" sz="1200" dirty="0"/>
+              <a:t>3</a:t>
+            </a:r>
+            <a:endParaRPr lang="ko-KR" altLang="en-US" sz="1200" dirty="0"/>
+          </a:p>
+        </p:txBody>
+      </p:sp>
+      <p:sp>
+        <p:nvSpPr>
+          <p:cNvPr id="41" name="TextBox 40">
+            <a:extLst>
+              <a:ext uri="{FF2B5EF4-FFF2-40B4-BE49-F238E27FC236}">
+                <a16:creationId xmlns:a16="http://schemas.microsoft.com/office/drawing/2014/main" id="{5013D4A9-3D6C-45B0-BB1D-5886CC4A54D2}"/>
+              </a:ext>
+            </a:extLst>
+          </p:cNvPr>
+          <p:cNvSpPr txBox="1"/>
+          <p:nvPr/>
+        </p:nvSpPr>
+        <p:spPr>
+          <a:xfrm>
+            <a:off x="9934974" y="4708724"/>
+            <a:ext cx="508473" cy="276999"/>
+          </a:xfrm>
+          <a:prstGeom prst="rect">
+            <a:avLst/>
+          </a:prstGeom>
+          <a:noFill/>
+        </p:spPr>
+        <p:txBody>
+          <a:bodyPr wrap="square" rtlCol="0">
+            <a:spAutoFit/>
+          </a:bodyPr>
+          <a:lstStyle/>
+          <a:p>
+            <a:r>
+              <a:rPr lang="en-US" altLang="ko-KR" sz="1200" dirty="0"/>
+              <a:t>12</a:t>
+            </a:r>
+            <a:r>
+              <a:rPr lang="ko-KR" altLang="en-US" sz="1200" dirty="0"/>
+              <a:t>▶</a:t>
+            </a:r>
+          </a:p>
+        </p:txBody>
+      </p:sp>
+      <p:sp>
+        <p:nvSpPr>
+          <p:cNvPr id="42" name="사각형: 둥근 모서리 41">
+            <a:extLst>
+              <a:ext uri="{FF2B5EF4-FFF2-40B4-BE49-F238E27FC236}">
+                <a16:creationId xmlns:a16="http://schemas.microsoft.com/office/drawing/2014/main" id="{2C0BDD42-E14A-4148-B386-0F043B35A11D}"/>
+              </a:ext>
+            </a:extLst>
+          </p:cNvPr>
+          <p:cNvSpPr/>
+          <p:nvPr/>
+        </p:nvSpPr>
+        <p:spPr>
+          <a:xfrm>
+            <a:off x="160438" y="4714579"/>
+            <a:ext cx="1411164" cy="386397"/>
+          </a:xfrm>
+          <a:prstGeom prst="roundRect">
+            <a:avLst/>
+          </a:prstGeom>
+        </p:spPr>
+        <p:style>
+          <a:lnRef idx="2">
+            <a:schemeClr val="accent1">
+              <a:shade val="50000"/>
+            </a:schemeClr>
+          </a:lnRef>
+          <a:fillRef idx="1">
+            <a:schemeClr val="accent1"/>
+          </a:fillRef>
+          <a:effectRef idx="0">
+            <a:schemeClr val="accent1"/>
+          </a:effectRef>
+          <a:fontRef idx="minor">
+            <a:schemeClr val="lt1"/>
+          </a:fontRef>
+        </p:style>
+        <p:txBody>
+          <a:bodyPr rtlCol="0" anchor="ctr"/>
+          <a:lstStyle/>
+          <a:p>
+            <a:pPr algn="ctr"/>
+            <a:r>
+              <a:rPr lang="ko-KR" altLang="en-US" sz="1200" dirty="0"/>
+              <a:t>스케줄러</a:t>
+            </a:r>
+          </a:p>
+        </p:txBody>
+      </p:sp>
+      <p:sp>
+        <p:nvSpPr>
+          <p:cNvPr id="43" name="TextBox 42">
+            <a:extLst>
+              <a:ext uri="{FF2B5EF4-FFF2-40B4-BE49-F238E27FC236}">
+                <a16:creationId xmlns:a16="http://schemas.microsoft.com/office/drawing/2014/main" id="{DAFBB9E6-E8A4-4B9F-B1DB-A992F912C724}"/>
+              </a:ext>
+            </a:extLst>
+          </p:cNvPr>
+          <p:cNvSpPr txBox="1"/>
+          <p:nvPr/>
+        </p:nvSpPr>
+        <p:spPr>
+          <a:xfrm>
+            <a:off x="2303284" y="4256841"/>
+            <a:ext cx="423514" cy="276999"/>
+          </a:xfrm>
+          <a:prstGeom prst="rect">
+            <a:avLst/>
+          </a:prstGeom>
+          <a:noFill/>
+        </p:spPr>
+        <p:txBody>
+          <a:bodyPr wrap="square" rtlCol="0">
+            <a:spAutoFit/>
+          </a:bodyPr>
+          <a:lstStyle/>
+          <a:p>
+            <a:r>
+              <a:rPr lang="ko-KR" altLang="en-US" sz="1200" dirty="0"/>
+              <a:t>▲</a:t>
+            </a:r>
+            <a:r>
+              <a:rPr lang="en-US" altLang="ko-KR" sz="1200" dirty="0"/>
+              <a:t>2</a:t>
+            </a:r>
+            <a:endParaRPr lang="ko-KR" altLang="en-US" sz="1200" dirty="0"/>
+          </a:p>
+        </p:txBody>
+      </p:sp>
+      <p:sp>
+        <p:nvSpPr>
+          <p:cNvPr id="45" name="TextBox 44">
+            <a:extLst>
+              <a:ext uri="{FF2B5EF4-FFF2-40B4-BE49-F238E27FC236}">
+                <a16:creationId xmlns:a16="http://schemas.microsoft.com/office/drawing/2014/main" id="{36A3BB59-6650-4F71-855F-A14BA62B0F3D}"/>
+              </a:ext>
+            </a:extLst>
+          </p:cNvPr>
+          <p:cNvSpPr txBox="1"/>
+          <p:nvPr/>
+        </p:nvSpPr>
+        <p:spPr>
+          <a:xfrm>
+            <a:off x="2304300" y="3393119"/>
+            <a:ext cx="423514" cy="276999"/>
+          </a:xfrm>
+          <a:prstGeom prst="rect">
+            <a:avLst/>
+          </a:prstGeom>
+          <a:noFill/>
+        </p:spPr>
+        <p:txBody>
+          <a:bodyPr wrap="square" rtlCol="0">
+            <a:spAutoFit/>
+          </a:bodyPr>
+          <a:lstStyle/>
+          <a:p>
+            <a:r>
+              <a:rPr lang="ko-KR" altLang="en-US" sz="1200" dirty="0"/>
+              <a:t>▲</a:t>
+            </a:r>
+            <a:r>
+              <a:rPr lang="en-US" altLang="ko-KR" sz="1200" dirty="0"/>
+              <a:t>4</a:t>
+            </a:r>
+            <a:endParaRPr lang="ko-KR" altLang="en-US" sz="1200" dirty="0"/>
+          </a:p>
+        </p:txBody>
+      </p:sp>
+      <p:sp>
+        <p:nvSpPr>
+          <p:cNvPr id="46" name="TextBox 45">
+            <a:extLst>
+              <a:ext uri="{FF2B5EF4-FFF2-40B4-BE49-F238E27FC236}">
+                <a16:creationId xmlns:a16="http://schemas.microsoft.com/office/drawing/2014/main" id="{2A10D550-BB4A-47D2-A178-C569A2DEF908}"/>
+              </a:ext>
+            </a:extLst>
+          </p:cNvPr>
+          <p:cNvSpPr txBox="1"/>
+          <p:nvPr/>
+        </p:nvSpPr>
+        <p:spPr>
+          <a:xfrm>
+            <a:off x="3651984" y="3377313"/>
+            <a:ext cx="423514" cy="276999"/>
+          </a:xfrm>
+          <a:prstGeom prst="rect">
+            <a:avLst/>
+          </a:prstGeom>
+          <a:noFill/>
+        </p:spPr>
+        <p:txBody>
+          <a:bodyPr wrap="square" rtlCol="0">
+            <a:spAutoFit/>
+          </a:bodyPr>
+          <a:lstStyle/>
+          <a:p>
+            <a:r>
+              <a:rPr lang="ko-KR" altLang="en-US" sz="1200" dirty="0"/>
+              <a:t>▲</a:t>
+            </a:r>
+            <a:r>
+              <a:rPr lang="en-US" altLang="ko-KR" sz="1200" dirty="0"/>
+              <a:t>7</a:t>
+            </a:r>
+            <a:endParaRPr lang="ko-KR" altLang="en-US" sz="1200" dirty="0"/>
+          </a:p>
+        </p:txBody>
+      </p:sp>
+      <p:sp>
+        <p:nvSpPr>
+          <p:cNvPr id="47" name="사각형: 둥근 모서리 46">
+            <a:extLst>
+              <a:ext uri="{FF2B5EF4-FFF2-40B4-BE49-F238E27FC236}">
+                <a16:creationId xmlns:a16="http://schemas.microsoft.com/office/drawing/2014/main" id="{CA653316-6397-4400-B642-403D3EE44674}"/>
+              </a:ext>
+            </a:extLst>
+          </p:cNvPr>
+          <p:cNvSpPr/>
+          <p:nvPr/>
+        </p:nvSpPr>
+        <p:spPr>
+          <a:xfrm>
+            <a:off x="4314736" y="3423521"/>
             <a:ext cx="725490" cy="255133"/>
           </a:xfrm>
           <a:prstGeom prst="roundRect">
@@ -3562,7 +4310,7 @@
           <a:p>
             <a:pPr algn="ctr"/>
             <a:r>
-              <a:rPr lang="ko-KR" altLang="en-US" sz="1200" dirty="0"/>
+              <a:rPr lang="ko-KR" altLang="en-US" sz="1000" dirty="0"/>
               <a:t>리스트</a:t>
             </a:r>
           </a:p>
@@ -3570,10 +4318,10 @@
       </p:sp>
       <p:sp>
         <p:nvSpPr>
-          <p:cNvPr id="11" name="사각형: 둥근 모서리 10">
-            <a:extLst>
-              <a:ext uri="{FF2B5EF4-FFF2-40B4-BE49-F238E27FC236}">
-                <a16:creationId xmlns:a16="http://schemas.microsoft.com/office/drawing/2014/main" id="{3D63BAFE-440E-4261-BAD2-DB0D0232CD12}"/>
+          <p:cNvPr id="48" name="사각형: 둥근 모서리 47">
+            <a:extLst>
+              <a:ext uri="{FF2B5EF4-FFF2-40B4-BE49-F238E27FC236}">
+                <a16:creationId xmlns:a16="http://schemas.microsoft.com/office/drawing/2014/main" id="{24908904-A1C0-4890-AAFF-85ED6C736298}"/>
               </a:ext>
             </a:extLst>
           </p:cNvPr>
@@ -3582,8 +4330,306 @@
         </p:nvSpPr>
         <p:spPr>
           <a:xfrm>
-            <a:off x="7513342" y="3297721"/>
-            <a:ext cx="975360" cy="468947"/>
+            <a:off x="4314736" y="2602395"/>
+            <a:ext cx="725490" cy="255133"/>
+          </a:xfrm>
+          <a:prstGeom prst="roundRect">
+            <a:avLst/>
+          </a:prstGeom>
+        </p:spPr>
+        <p:style>
+          <a:lnRef idx="2">
+            <a:schemeClr val="accent3">
+              <a:shade val="50000"/>
+            </a:schemeClr>
+          </a:lnRef>
+          <a:fillRef idx="1">
+            <a:schemeClr val="accent3"/>
+          </a:fillRef>
+          <a:effectRef idx="0">
+            <a:schemeClr val="accent3"/>
+          </a:effectRef>
+          <a:fontRef idx="minor">
+            <a:schemeClr val="lt1"/>
+          </a:fontRef>
+        </p:style>
+        <p:txBody>
+          <a:bodyPr rtlCol="0" anchor="ctr"/>
+          <a:lstStyle/>
+          <a:p>
+            <a:pPr algn="ctr"/>
+            <a:r>
+              <a:rPr lang="ko-KR" altLang="en-US" sz="1000" dirty="0"/>
+              <a:t>리스트</a:t>
+            </a:r>
+          </a:p>
+        </p:txBody>
+      </p:sp>
+      <p:sp>
+        <p:nvSpPr>
+          <p:cNvPr id="50" name="TextBox 49">
+            <a:extLst>
+              <a:ext uri="{FF2B5EF4-FFF2-40B4-BE49-F238E27FC236}">
+                <a16:creationId xmlns:a16="http://schemas.microsoft.com/office/drawing/2014/main" id="{CE861668-E0A3-4135-BFF0-EAC28C512813}"/>
+              </a:ext>
+            </a:extLst>
+          </p:cNvPr>
+          <p:cNvSpPr txBox="1"/>
+          <p:nvPr/>
+        </p:nvSpPr>
+        <p:spPr>
+          <a:xfrm>
+            <a:off x="1661304" y="2998528"/>
+            <a:ext cx="423514" cy="276999"/>
+          </a:xfrm>
+          <a:prstGeom prst="rect">
+            <a:avLst/>
+          </a:prstGeom>
+          <a:noFill/>
+        </p:spPr>
+        <p:txBody>
+          <a:bodyPr wrap="square" rtlCol="0">
+            <a:spAutoFit/>
+          </a:bodyPr>
+          <a:lstStyle/>
+          <a:p>
+            <a:r>
+              <a:rPr lang="ko-KR" altLang="en-US" sz="1200" dirty="0"/>
+              <a:t>◀</a:t>
+            </a:r>
+            <a:r>
+              <a:rPr lang="en-US" altLang="ko-KR" sz="1200" dirty="0"/>
+              <a:t>5</a:t>
+            </a:r>
+            <a:endParaRPr lang="ko-KR" altLang="en-US" sz="1200" dirty="0"/>
+          </a:p>
+        </p:txBody>
+      </p:sp>
+      <p:sp>
+        <p:nvSpPr>
+          <p:cNvPr id="51" name="TextBox 50">
+            <a:extLst>
+              <a:ext uri="{FF2B5EF4-FFF2-40B4-BE49-F238E27FC236}">
+                <a16:creationId xmlns:a16="http://schemas.microsoft.com/office/drawing/2014/main" id="{28D11020-9EFF-4311-802C-A05134F38A30}"/>
+              </a:ext>
+            </a:extLst>
+          </p:cNvPr>
+          <p:cNvSpPr txBox="1"/>
+          <p:nvPr/>
+        </p:nvSpPr>
+        <p:spPr>
+          <a:xfrm>
+            <a:off x="3611564" y="4188897"/>
+            <a:ext cx="423514" cy="276999"/>
+          </a:xfrm>
+          <a:prstGeom prst="rect">
+            <a:avLst/>
+          </a:prstGeom>
+          <a:noFill/>
+        </p:spPr>
+        <p:txBody>
+          <a:bodyPr wrap="square" rtlCol="0">
+            <a:spAutoFit/>
+          </a:bodyPr>
+          <a:lstStyle/>
+          <a:p>
+            <a:r>
+              <a:rPr lang="ko-KR" altLang="en-US" sz="1200" dirty="0"/>
+              <a:t>▲</a:t>
+            </a:r>
+            <a:r>
+              <a:rPr lang="en-US" altLang="ko-KR" sz="1200" dirty="0"/>
+              <a:t>6</a:t>
+            </a:r>
+            <a:endParaRPr lang="ko-KR" altLang="en-US" sz="1200" dirty="0"/>
+          </a:p>
+        </p:txBody>
+      </p:sp>
+      <p:sp>
+        <p:nvSpPr>
+          <p:cNvPr id="52" name="TextBox 51">
+            <a:extLst>
+              <a:ext uri="{FF2B5EF4-FFF2-40B4-BE49-F238E27FC236}">
+                <a16:creationId xmlns:a16="http://schemas.microsoft.com/office/drawing/2014/main" id="{26D546CD-A03E-4CB5-B7BB-48E430FE3D02}"/>
+              </a:ext>
+            </a:extLst>
+          </p:cNvPr>
+          <p:cNvSpPr txBox="1"/>
+          <p:nvPr/>
+        </p:nvSpPr>
+        <p:spPr>
+          <a:xfrm>
+            <a:off x="3636999" y="2564207"/>
+            <a:ext cx="423514" cy="276999"/>
+          </a:xfrm>
+          <a:prstGeom prst="rect">
+            <a:avLst/>
+          </a:prstGeom>
+          <a:noFill/>
+        </p:spPr>
+        <p:txBody>
+          <a:bodyPr wrap="square" rtlCol="0">
+            <a:spAutoFit/>
+          </a:bodyPr>
+          <a:lstStyle/>
+          <a:p>
+            <a:r>
+              <a:rPr lang="ko-KR" altLang="en-US" sz="1200" dirty="0"/>
+              <a:t>▲</a:t>
+            </a:r>
+            <a:r>
+              <a:rPr lang="en-US" altLang="ko-KR" sz="1200" dirty="0"/>
+              <a:t>8</a:t>
+            </a:r>
+            <a:endParaRPr lang="ko-KR" altLang="en-US" sz="1200" dirty="0"/>
+          </a:p>
+        </p:txBody>
+      </p:sp>
+      <p:sp>
+        <p:nvSpPr>
+          <p:cNvPr id="53" name="TextBox 52">
+            <a:extLst>
+              <a:ext uri="{FF2B5EF4-FFF2-40B4-BE49-F238E27FC236}">
+                <a16:creationId xmlns:a16="http://schemas.microsoft.com/office/drawing/2014/main" id="{3FFDC367-4F57-46A6-963B-D676FC21AFEF}"/>
+              </a:ext>
+            </a:extLst>
+          </p:cNvPr>
+          <p:cNvSpPr txBox="1"/>
+          <p:nvPr/>
+        </p:nvSpPr>
+        <p:spPr>
+          <a:xfrm>
+            <a:off x="6745430" y="2320327"/>
+            <a:ext cx="508473" cy="276999"/>
+          </a:xfrm>
+          <a:prstGeom prst="rect">
+            <a:avLst/>
+          </a:prstGeom>
+          <a:noFill/>
+        </p:spPr>
+        <p:txBody>
+          <a:bodyPr wrap="square" rtlCol="0">
+            <a:spAutoFit/>
+          </a:bodyPr>
+          <a:lstStyle/>
+          <a:p>
+            <a:r>
+              <a:rPr lang="ko-KR" altLang="en-US" sz="1200" dirty="0"/>
+              <a:t>▲</a:t>
+            </a:r>
+            <a:r>
+              <a:rPr lang="en-US" altLang="ko-KR" sz="1200" dirty="0"/>
+              <a:t>10</a:t>
+            </a:r>
+            <a:endParaRPr lang="ko-KR" altLang="en-US" sz="1200" dirty="0"/>
+          </a:p>
+        </p:txBody>
+      </p:sp>
+      <p:sp>
+        <p:nvSpPr>
+          <p:cNvPr id="54" name="사각형: 둥근 모서리 53">
+            <a:extLst>
+              <a:ext uri="{FF2B5EF4-FFF2-40B4-BE49-F238E27FC236}">
+                <a16:creationId xmlns:a16="http://schemas.microsoft.com/office/drawing/2014/main" id="{1D0C48CA-5C44-445C-87ED-ACF07C9D8BA8}"/>
+              </a:ext>
+            </a:extLst>
+          </p:cNvPr>
+          <p:cNvSpPr/>
+          <p:nvPr/>
+        </p:nvSpPr>
+        <p:spPr>
+          <a:xfrm>
+            <a:off x="8584741" y="2913277"/>
+            <a:ext cx="1180546" cy="386397"/>
+          </a:xfrm>
+          <a:prstGeom prst="roundRect">
+            <a:avLst/>
+          </a:prstGeom>
+        </p:spPr>
+        <p:style>
+          <a:lnRef idx="2">
+            <a:schemeClr val="accent1">
+              <a:shade val="50000"/>
+            </a:schemeClr>
+          </a:lnRef>
+          <a:fillRef idx="1">
+            <a:schemeClr val="accent1"/>
+          </a:fillRef>
+          <a:effectRef idx="0">
+            <a:schemeClr val="accent1"/>
+          </a:effectRef>
+          <a:fontRef idx="minor">
+            <a:schemeClr val="lt1"/>
+          </a:fontRef>
+        </p:style>
+        <p:txBody>
+          <a:bodyPr rtlCol="0" anchor="ctr"/>
+          <a:lstStyle/>
+          <a:p>
+            <a:pPr algn="ctr"/>
+            <a:r>
+              <a:rPr lang="ko-KR" altLang="en-US" sz="1200" dirty="0"/>
+              <a:t>흥미확인자</a:t>
+            </a:r>
+          </a:p>
+        </p:txBody>
+      </p:sp>
+      <p:sp>
+        <p:nvSpPr>
+          <p:cNvPr id="55" name="TextBox 54">
+            <a:extLst>
+              <a:ext uri="{FF2B5EF4-FFF2-40B4-BE49-F238E27FC236}">
+                <a16:creationId xmlns:a16="http://schemas.microsoft.com/office/drawing/2014/main" id="{E4A1AA50-0C82-47DF-8AA5-F2C410ECD6CC}"/>
+              </a:ext>
+            </a:extLst>
+          </p:cNvPr>
+          <p:cNvSpPr txBox="1"/>
+          <p:nvPr/>
+        </p:nvSpPr>
+        <p:spPr>
+          <a:xfrm>
+            <a:off x="8596836" y="3397180"/>
+            <a:ext cx="508473" cy="276999"/>
+          </a:xfrm>
+          <a:prstGeom prst="rect">
+            <a:avLst/>
+          </a:prstGeom>
+          <a:noFill/>
+        </p:spPr>
+        <p:txBody>
+          <a:bodyPr wrap="square" rtlCol="0">
+            <a:spAutoFit/>
+          </a:bodyPr>
+          <a:lstStyle/>
+          <a:p>
+            <a:r>
+              <a:rPr lang="ko-KR" altLang="en-US" sz="1200" dirty="0"/>
+              <a:t>▲</a:t>
+            </a:r>
+            <a:r>
+              <a:rPr lang="en-US" altLang="ko-KR" sz="1200" dirty="0"/>
+              <a:t>11</a:t>
+            </a:r>
+            <a:endParaRPr lang="ko-KR" altLang="en-US" sz="1200" dirty="0"/>
+          </a:p>
+        </p:txBody>
+      </p:sp>
+      <p:sp>
+        <p:nvSpPr>
+          <p:cNvPr id="56" name="사각형: 둥근 모서리 55">
+            <a:extLst>
+              <a:ext uri="{FF2B5EF4-FFF2-40B4-BE49-F238E27FC236}">
+                <a16:creationId xmlns:a16="http://schemas.microsoft.com/office/drawing/2014/main" id="{8D057E84-2D8A-4DBD-80AF-08E888E71F60}"/>
+              </a:ext>
+            </a:extLst>
+          </p:cNvPr>
+          <p:cNvSpPr/>
+          <p:nvPr/>
+        </p:nvSpPr>
+        <p:spPr>
+          <a:xfrm>
+            <a:off x="10960815" y="1832698"/>
+            <a:ext cx="975360" cy="833530"/>
           </a:xfrm>
           <a:prstGeom prst="roundRect">
             <a:avLst/>
@@ -3611,18 +4657,73 @@
           <a:p>
             <a:pPr algn="ctr"/>
             <a:r>
-              <a:rPr lang="ko-KR" altLang="en-US" sz="1050" dirty="0"/>
-              <a:t>없어진 것들</a:t>
-            </a:r>
-          </a:p>
-        </p:txBody>
-      </p:sp>
-      <p:sp>
-        <p:nvSpPr>
-          <p:cNvPr id="12" name="사각형: 둥근 모서리 11">
-            <a:extLst>
-              <a:ext uri="{FF2B5EF4-FFF2-40B4-BE49-F238E27FC236}">
-                <a16:creationId xmlns:a16="http://schemas.microsoft.com/office/drawing/2014/main" id="{4412E7AA-3942-495C-9731-5877FC099F16}"/>
+              <a:rPr lang="en-US" altLang="ko-KR" sz="800" dirty="0"/>
+              <a:t>New</a:t>
+            </a:r>
+          </a:p>
+          <a:p>
+            <a:pPr algn="ctr"/>
+            <a:r>
+              <a:rPr lang="en-US" altLang="ko-KR" sz="800" dirty="0"/>
+              <a:t>stay</a:t>
+            </a:r>
+          </a:p>
+          <a:p>
+            <a:pPr algn="ctr"/>
+            <a:r>
+              <a:rPr lang="en-US" altLang="ko-KR" sz="800" dirty="0"/>
+              <a:t>removed</a:t>
+            </a:r>
+            <a:endParaRPr lang="ko-KR" altLang="en-US" sz="800" dirty="0"/>
+          </a:p>
+        </p:txBody>
+      </p:sp>
+      <p:sp>
+        <p:nvSpPr>
+          <p:cNvPr id="58" name="TextBox 57">
+            <a:extLst>
+              <a:ext uri="{FF2B5EF4-FFF2-40B4-BE49-F238E27FC236}">
+                <a16:creationId xmlns:a16="http://schemas.microsoft.com/office/drawing/2014/main" id="{FF0A1300-70EE-4F0A-AC45-7562F820BB14}"/>
+              </a:ext>
+            </a:extLst>
+          </p:cNvPr>
+          <p:cNvSpPr txBox="1"/>
+          <p:nvPr/>
+        </p:nvSpPr>
+        <p:spPr>
+          <a:xfrm>
+            <a:off x="11114108" y="4074397"/>
+            <a:ext cx="508473" cy="276999"/>
+          </a:xfrm>
+          <a:prstGeom prst="rect">
+            <a:avLst/>
+          </a:prstGeom>
+          <a:noFill/>
+        </p:spPr>
+        <p:txBody>
+          <a:bodyPr wrap="square" rtlCol="0">
+            <a:spAutoFit/>
+          </a:bodyPr>
+          <a:lstStyle/>
+          <a:p>
+            <a:r>
+              <a:rPr lang="ko-KR" altLang="en-US" sz="1200"/>
+              <a:t>▲</a:t>
+            </a:r>
+            <a:r>
+              <a:rPr lang="en-US" altLang="ko-KR" sz="1200" dirty="0"/>
+              <a:t>13</a:t>
+            </a:r>
+            <a:endParaRPr lang="ko-KR" altLang="en-US" sz="1200" dirty="0"/>
+          </a:p>
+        </p:txBody>
+      </p:sp>
+      <p:sp>
+        <p:nvSpPr>
+          <p:cNvPr id="59" name="사각형: 둥근 모서리 58">
+            <a:extLst>
+              <a:ext uri="{FF2B5EF4-FFF2-40B4-BE49-F238E27FC236}">
+                <a16:creationId xmlns:a16="http://schemas.microsoft.com/office/drawing/2014/main" id="{CC992A81-FBE7-4092-A8DD-D5ED0858B8BA}"/>
               </a:ext>
             </a:extLst>
           </p:cNvPr>
@@ -3631,156 +4732,8 @@
         </p:nvSpPr>
         <p:spPr>
           <a:xfrm>
-            <a:off x="5323633" y="3306138"/>
-            <a:ext cx="975360" cy="468947"/>
-          </a:xfrm>
-          <a:prstGeom prst="roundRect">
-            <a:avLst/>
-          </a:prstGeom>
-        </p:spPr>
-        <p:style>
-          <a:lnRef idx="2">
-            <a:schemeClr val="accent2">
-              <a:shade val="50000"/>
-            </a:schemeClr>
-          </a:lnRef>
-          <a:fillRef idx="1">
-            <a:schemeClr val="accent2"/>
-          </a:fillRef>
-          <a:effectRef idx="0">
-            <a:schemeClr val="accent2"/>
-          </a:effectRef>
-          <a:fontRef idx="minor">
-            <a:schemeClr val="lt1"/>
-          </a:fontRef>
-        </p:style>
-        <p:txBody>
-          <a:bodyPr rtlCol="0" anchor="ctr"/>
-          <a:lstStyle/>
-          <a:p>
-            <a:pPr algn="ctr"/>
-            <a:r>
-              <a:rPr lang="ko-KR" altLang="en-US" sz="1050" dirty="0"/>
-              <a:t>새로운 것들</a:t>
-            </a:r>
-          </a:p>
-        </p:txBody>
-      </p:sp>
-      <p:sp>
-        <p:nvSpPr>
-          <p:cNvPr id="13" name="사각형: 둥근 모서리 12">
-            <a:extLst>
-              <a:ext uri="{FF2B5EF4-FFF2-40B4-BE49-F238E27FC236}">
-                <a16:creationId xmlns:a16="http://schemas.microsoft.com/office/drawing/2014/main" id="{F44BDA3A-9226-4B0C-9000-2B4AB2E85C3D}"/>
-              </a:ext>
-            </a:extLst>
-          </p:cNvPr>
-          <p:cNvSpPr/>
-          <p:nvPr/>
-        </p:nvSpPr>
-        <p:spPr>
-          <a:xfrm>
-            <a:off x="9677991" y="3277698"/>
-            <a:ext cx="975360" cy="468947"/>
-          </a:xfrm>
-          <a:prstGeom prst="roundRect">
-            <a:avLst/>
-          </a:prstGeom>
-        </p:spPr>
-        <p:style>
-          <a:lnRef idx="2">
-            <a:schemeClr val="accent2">
-              <a:shade val="50000"/>
-            </a:schemeClr>
-          </a:lnRef>
-          <a:fillRef idx="1">
-            <a:schemeClr val="accent2"/>
-          </a:fillRef>
-          <a:effectRef idx="0">
-            <a:schemeClr val="accent2"/>
-          </a:effectRef>
-          <a:fontRef idx="minor">
-            <a:schemeClr val="lt1"/>
-          </a:fontRef>
-        </p:style>
-        <p:txBody>
-          <a:bodyPr rtlCol="0" anchor="ctr"/>
-          <a:lstStyle/>
-          <a:p>
-            <a:pPr algn="ctr"/>
-            <a:r>
-              <a:rPr lang="ko-KR" altLang="en-US" sz="1050" dirty="0"/>
-              <a:t>다시 주목할 것들</a:t>
-            </a:r>
-          </a:p>
-        </p:txBody>
-      </p:sp>
-      <p:sp>
-        <p:nvSpPr>
-          <p:cNvPr id="14" name="사각형: 둥근 모서리 13">
-            <a:extLst>
-              <a:ext uri="{FF2B5EF4-FFF2-40B4-BE49-F238E27FC236}">
-                <a16:creationId xmlns:a16="http://schemas.microsoft.com/office/drawing/2014/main" id="{58E45F1F-F12F-4427-8BAE-E3C2A5970EB4}"/>
-              </a:ext>
-            </a:extLst>
-          </p:cNvPr>
-          <p:cNvSpPr/>
-          <p:nvPr/>
-        </p:nvSpPr>
-        <p:spPr>
-          <a:xfrm>
-            <a:off x="468055" y="3737951"/>
-            <a:ext cx="1212116" cy="471784"/>
-          </a:xfrm>
-          <a:prstGeom prst="roundRect">
-            <a:avLst/>
-          </a:prstGeom>
-        </p:spPr>
-        <p:style>
-          <a:lnRef idx="2">
-            <a:schemeClr val="accent2">
-              <a:shade val="50000"/>
-            </a:schemeClr>
-          </a:lnRef>
-          <a:fillRef idx="1">
-            <a:schemeClr val="accent2"/>
-          </a:fillRef>
-          <a:effectRef idx="0">
-            <a:schemeClr val="accent2"/>
-          </a:effectRef>
-          <a:fontRef idx="minor">
-            <a:schemeClr val="lt1"/>
-          </a:fontRef>
-        </p:style>
-        <p:txBody>
-          <a:bodyPr rtlCol="0" anchor="ctr"/>
-          <a:lstStyle/>
-          <a:p>
-            <a:pPr algn="ctr"/>
-            <a:r>
-              <a:rPr lang="en-US" altLang="ko-KR" dirty="0"/>
-              <a:t>row</a:t>
-            </a:r>
-            <a:endParaRPr lang="ko-KR" altLang="en-US" dirty="0"/>
-          </a:p>
-        </p:txBody>
-      </p:sp>
-      <p:sp>
-        <p:nvSpPr>
-          <p:cNvPr id="21" name="사각형: 둥근 모서리 20">
-            <a:extLst>
-              <a:ext uri="{FF2B5EF4-FFF2-40B4-BE49-F238E27FC236}">
-                <a16:creationId xmlns:a16="http://schemas.microsoft.com/office/drawing/2014/main" id="{9B5DCC2B-AEAC-4370-84EA-5EAFB6404F86}"/>
-              </a:ext>
-            </a:extLst>
-          </p:cNvPr>
-          <p:cNvSpPr/>
-          <p:nvPr/>
-        </p:nvSpPr>
-        <p:spPr>
-          <a:xfrm>
-            <a:off x="2187741" y="2970601"/>
-            <a:ext cx="1411164" cy="386397"/>
+            <a:off x="10760832" y="3287438"/>
+            <a:ext cx="1375323" cy="386397"/>
           </a:xfrm>
           <a:prstGeom prst="roundRect">
             <a:avLst/>
@@ -3808,18 +4761,18 @@
           <a:p>
             <a:pPr algn="ctr"/>
             <a:r>
-              <a:rPr lang="ko-KR" altLang="en-US" dirty="0"/>
-              <a:t>세부모음자</a:t>
-            </a:r>
-          </a:p>
-        </p:txBody>
-      </p:sp>
-      <p:sp>
-        <p:nvSpPr>
-          <p:cNvPr id="25" name="사각형: 둥근 모서리 24">
-            <a:extLst>
-              <a:ext uri="{FF2B5EF4-FFF2-40B4-BE49-F238E27FC236}">
-                <a16:creationId xmlns:a16="http://schemas.microsoft.com/office/drawing/2014/main" id="{E49E9796-8036-4875-BDF4-3330063569FB}"/>
+              <a:rPr lang="ko-KR" altLang="en-US" sz="1200" dirty="0"/>
+              <a:t>번역자</a:t>
+            </a:r>
+          </a:p>
+        </p:txBody>
+      </p:sp>
+      <p:sp>
+        <p:nvSpPr>
+          <p:cNvPr id="60" name="사각형: 둥근 모서리 59">
+            <a:extLst>
+              <a:ext uri="{FF2B5EF4-FFF2-40B4-BE49-F238E27FC236}">
+                <a16:creationId xmlns:a16="http://schemas.microsoft.com/office/drawing/2014/main" id="{60F09314-6424-447D-8C70-61C706182EC6}"/>
               </a:ext>
             </a:extLst>
           </p:cNvPr>
@@ -3828,58 +4781,8 @@
         </p:nvSpPr>
         <p:spPr>
           <a:xfrm>
-            <a:off x="464886" y="2907313"/>
-            <a:ext cx="1212116" cy="471784"/>
-          </a:xfrm>
-          <a:prstGeom prst="roundRect">
-            <a:avLst/>
-          </a:prstGeom>
-        </p:spPr>
-        <p:style>
-          <a:lnRef idx="2">
-            <a:schemeClr val="accent2">
-              <a:shade val="50000"/>
-            </a:schemeClr>
-          </a:lnRef>
-          <a:fillRef idx="1">
-            <a:schemeClr val="accent2"/>
-          </a:fillRef>
-          <a:effectRef idx="0">
-            <a:schemeClr val="accent2"/>
-          </a:effectRef>
-          <a:fontRef idx="minor">
-            <a:schemeClr val="lt1"/>
-          </a:fontRef>
-        </p:style>
-        <p:txBody>
-          <a:bodyPr rtlCol="0" anchor="ctr"/>
-          <a:lstStyle/>
-          <a:p>
-            <a:pPr algn="ctr"/>
-            <a:r>
-              <a:rPr lang="en-US" altLang="ko-KR" dirty="0"/>
-              <a:t>row</a:t>
-            </a:r>
-            <a:endParaRPr lang="ko-KR" altLang="en-US" dirty="0"/>
-          </a:p>
-        </p:txBody>
-      </p:sp>
-      <p:sp>
-        <p:nvSpPr>
-          <p:cNvPr id="33" name="사각형: 둥근 모서리 32">
-            <a:extLst>
-              <a:ext uri="{FF2B5EF4-FFF2-40B4-BE49-F238E27FC236}">
-                <a16:creationId xmlns:a16="http://schemas.microsoft.com/office/drawing/2014/main" id="{6139EA09-0BBE-45EE-8BE2-BF4A8F4F9364}"/>
-              </a:ext>
-            </a:extLst>
-          </p:cNvPr>
-          <p:cNvSpPr/>
-          <p:nvPr/>
-        </p:nvSpPr>
-        <p:spPr>
-          <a:xfrm>
-            <a:off x="6189345" y="3002251"/>
-            <a:ext cx="1552491" cy="386397"/>
+            <a:off x="3518833" y="2905507"/>
+            <a:ext cx="1305473" cy="386397"/>
           </a:xfrm>
           <a:prstGeom prst="roundRect">
             <a:avLst/>
@@ -3907,134 +4810,18 @@
           <a:p>
             <a:pPr algn="ctr"/>
             <a:r>
-              <a:rPr lang="ko-KR" altLang="en-US" dirty="0"/>
-              <a:t>삭제구분자</a:t>
-            </a:r>
-          </a:p>
-        </p:txBody>
-      </p:sp>
-      <p:sp>
-        <p:nvSpPr>
-          <p:cNvPr id="34" name="사각형: 둥근 모서리 33">
-            <a:extLst>
-              <a:ext uri="{FF2B5EF4-FFF2-40B4-BE49-F238E27FC236}">
-                <a16:creationId xmlns:a16="http://schemas.microsoft.com/office/drawing/2014/main" id="{CBB579C1-090D-470B-B6BF-61EAD48D9D44}"/>
-              </a:ext>
-            </a:extLst>
-          </p:cNvPr>
-          <p:cNvSpPr/>
-          <p:nvPr/>
-        </p:nvSpPr>
-        <p:spPr>
-          <a:xfrm>
-            <a:off x="3967278" y="3795832"/>
-            <a:ext cx="5798010" cy="391838"/>
-          </a:xfrm>
-          <a:prstGeom prst="roundRect">
-            <a:avLst/>
-          </a:prstGeom>
-        </p:spPr>
-        <p:style>
-          <a:lnRef idx="2">
-            <a:schemeClr val="accent1">
-              <a:shade val="50000"/>
-            </a:schemeClr>
-          </a:lnRef>
-          <a:fillRef idx="1">
-            <a:schemeClr val="accent1"/>
-          </a:fillRef>
-          <a:effectRef idx="0">
-            <a:schemeClr val="accent1"/>
-          </a:effectRef>
-          <a:fontRef idx="minor">
-            <a:schemeClr val="lt1"/>
-          </a:fontRef>
-        </p:style>
-        <p:txBody>
-          <a:bodyPr rtlCol="0" anchor="ctr"/>
-          <a:lstStyle/>
-          <a:p>
-            <a:pPr algn="ctr"/>
-            <a:r>
-              <a:rPr lang="ko-KR" altLang="en-US" dirty="0" err="1"/>
-              <a:t>구분자</a:t>
-            </a:r>
-            <a:endParaRPr lang="ko-KR" altLang="en-US" dirty="0"/>
-          </a:p>
-        </p:txBody>
-      </p:sp>
-      <p:sp>
-        <p:nvSpPr>
-          <p:cNvPr id="38" name="사각형: 둥근 모서리 37">
-            <a:extLst>
-              <a:ext uri="{FF2B5EF4-FFF2-40B4-BE49-F238E27FC236}">
-                <a16:creationId xmlns:a16="http://schemas.microsoft.com/office/drawing/2014/main" id="{8627FB6D-6E44-479C-9AE3-DE617A1C1991}"/>
-              </a:ext>
-            </a:extLst>
-          </p:cNvPr>
-          <p:cNvSpPr/>
-          <p:nvPr/>
-        </p:nvSpPr>
-        <p:spPr>
-          <a:xfrm>
-            <a:off x="2220311" y="4609888"/>
-            <a:ext cx="7544976" cy="613475"/>
-          </a:xfrm>
-          <a:prstGeom prst="roundRect">
-            <a:avLst/>
-          </a:prstGeom>
-        </p:spPr>
-        <p:style>
-          <a:lnRef idx="2">
-            <a:schemeClr val="accent1">
-              <a:shade val="50000"/>
-            </a:schemeClr>
-          </a:lnRef>
-          <a:fillRef idx="1">
-            <a:schemeClr val="accent1"/>
-          </a:fillRef>
-          <a:effectRef idx="0">
-            <a:schemeClr val="accent1"/>
-          </a:effectRef>
-          <a:fontRef idx="minor">
-            <a:schemeClr val="lt1"/>
-          </a:fontRef>
-        </p:style>
-        <p:txBody>
-          <a:bodyPr rtlCol="0" anchor="ctr"/>
-          <a:lstStyle/>
-          <a:p>
-            <a:pPr algn="ctr"/>
-            <a:r>
-              <a:rPr lang="ko-KR" altLang="en-US" dirty="0"/>
-              <a:t>흐름관리자</a:t>
-            </a:r>
-            <a:endParaRPr lang="en-US" altLang="ko-KR" dirty="0"/>
-          </a:p>
-          <a:p>
-            <a:pPr algn="ctr"/>
-            <a:r>
-              <a:rPr lang="en-US" altLang="ko-KR" dirty="0"/>
-              <a:t>(</a:t>
-            </a:r>
-            <a:r>
-              <a:rPr lang="ko-KR" altLang="en-US" dirty="0"/>
-              <a:t>서비스</a:t>
-            </a:r>
-            <a:r>
-              <a:rPr lang="en-US" altLang="ko-KR" dirty="0"/>
-              <a:t>)</a:t>
-            </a:r>
-            <a:endParaRPr lang="ko-KR" altLang="en-US" dirty="0"/>
-          </a:p>
-        </p:txBody>
-      </p:sp>
-      <p:sp>
-        <p:nvSpPr>
-          <p:cNvPr id="39" name="TextBox 38">
-            <a:extLst>
-              <a:ext uri="{FF2B5EF4-FFF2-40B4-BE49-F238E27FC236}">
-                <a16:creationId xmlns:a16="http://schemas.microsoft.com/office/drawing/2014/main" id="{9E775F7F-2A71-4A4F-B06E-C15DC8E73D30}"/>
+              <a:rPr lang="ko-KR" altLang="en-US" sz="1200" dirty="0"/>
+              <a:t>유지확인자</a:t>
+            </a:r>
+          </a:p>
+        </p:txBody>
+      </p:sp>
+      <p:sp>
+        <p:nvSpPr>
+          <p:cNvPr id="61" name="TextBox 60">
+            <a:extLst>
+              <a:ext uri="{FF2B5EF4-FFF2-40B4-BE49-F238E27FC236}">
+                <a16:creationId xmlns:a16="http://schemas.microsoft.com/office/drawing/2014/main" id="{F5CBDB1C-3B60-4463-85D9-3BA8FB3CCFC5}"/>
               </a:ext>
             </a:extLst>
           </p:cNvPr>
@@ -4043,8 +4830,8 @@
         </p:nvSpPr>
         <p:spPr>
           <a:xfrm>
-            <a:off x="1671020" y="4740491"/>
-            <a:ext cx="542136" cy="369332"/>
+            <a:off x="5331427" y="3401655"/>
+            <a:ext cx="423514" cy="276999"/>
           </a:xfrm>
           <a:prstGeom prst="rect">
             <a:avLst/>
@@ -4052,107 +4839,29 @@
           <a:noFill/>
         </p:spPr>
         <p:txBody>
-          <a:bodyPr wrap="none" rtlCol="0">
+          <a:bodyPr wrap="square" rtlCol="0">
             <a:spAutoFit/>
           </a:bodyPr>
           <a:lstStyle/>
           <a:p>
             <a:r>
-              <a:rPr lang="en-US" altLang="ko-KR" dirty="0"/>
-              <a:t>1</a:t>
-            </a:r>
-            <a:r>
-              <a:rPr lang="ko-KR" altLang="en-US" dirty="0"/>
-              <a:t>▶</a:t>
-            </a:r>
-          </a:p>
-        </p:txBody>
-      </p:sp>
-      <p:sp>
-        <p:nvSpPr>
-          <p:cNvPr id="40" name="TextBox 39">
-            <a:extLst>
-              <a:ext uri="{FF2B5EF4-FFF2-40B4-BE49-F238E27FC236}">
-                <a16:creationId xmlns:a16="http://schemas.microsoft.com/office/drawing/2014/main" id="{5C7EF31A-4837-440A-8C5B-2DB6EBCB8DE2}"/>
-              </a:ext>
-            </a:extLst>
-          </p:cNvPr>
-          <p:cNvSpPr txBox="1"/>
-          <p:nvPr/>
-        </p:nvSpPr>
-        <p:spPr>
-          <a:xfrm>
-            <a:off x="1645605" y="3784657"/>
-            <a:ext cx="542136" cy="369332"/>
-          </a:xfrm>
-          <a:prstGeom prst="rect">
-            <a:avLst/>
-          </a:prstGeom>
-          <a:noFill/>
-        </p:spPr>
-        <p:txBody>
-          <a:bodyPr wrap="none" rtlCol="0">
-            <a:spAutoFit/>
-          </a:bodyPr>
-          <a:lstStyle/>
-          <a:p>
-            <a:r>
-              <a:rPr lang="ko-KR" altLang="en-US" dirty="0"/>
-              <a:t>◀</a:t>
-            </a:r>
-            <a:r>
-              <a:rPr lang="en-US" altLang="ko-KR" dirty="0"/>
-              <a:t>3</a:t>
-            </a:r>
-            <a:endParaRPr lang="ko-KR" altLang="en-US" dirty="0"/>
-          </a:p>
-        </p:txBody>
-      </p:sp>
-      <p:sp>
-        <p:nvSpPr>
-          <p:cNvPr id="41" name="TextBox 40">
-            <a:extLst>
-              <a:ext uri="{FF2B5EF4-FFF2-40B4-BE49-F238E27FC236}">
-                <a16:creationId xmlns:a16="http://schemas.microsoft.com/office/drawing/2014/main" id="{5013D4A9-3D6C-45B0-BB1D-5886CC4A54D2}"/>
-              </a:ext>
-            </a:extLst>
-          </p:cNvPr>
-          <p:cNvSpPr txBox="1"/>
-          <p:nvPr/>
-        </p:nvSpPr>
-        <p:spPr>
-          <a:xfrm>
-            <a:off x="9934974" y="4708724"/>
-            <a:ext cx="668773" cy="369332"/>
-          </a:xfrm>
-          <a:prstGeom prst="rect">
-            <a:avLst/>
-          </a:prstGeom>
-          <a:noFill/>
-        </p:spPr>
-        <p:txBody>
-          <a:bodyPr wrap="none" rtlCol="0">
-            <a:spAutoFit/>
-          </a:bodyPr>
-          <a:lstStyle/>
-          <a:p>
-            <a:r>
-              <a:rPr lang="en-US" altLang="ko-KR" dirty="0"/>
-              <a:t>12</a:t>
-            </a:r>
-            <a:r>
-              <a:rPr lang="ko-KR" altLang="en-US" dirty="0"/>
-              <a:t>▶</a:t>
-            </a:r>
-          </a:p>
-        </p:txBody>
-      </p:sp>
-      <p:sp>
-        <p:nvSpPr>
-          <p:cNvPr id="42" name="사각형: 둥근 모서리 41">
-            <a:extLst>
-              <a:ext uri="{FF2B5EF4-FFF2-40B4-BE49-F238E27FC236}">
-                <a16:creationId xmlns:a16="http://schemas.microsoft.com/office/drawing/2014/main" id="{2C0BDD42-E14A-4148-B386-0F043B35A11D}"/>
+              <a:rPr lang="ko-KR" altLang="en-US" sz="1200" dirty="0"/>
+              <a:t>▲</a:t>
+            </a:r>
+            <a:r>
+              <a:rPr lang="en-US" altLang="ko-KR" sz="1200" dirty="0"/>
+              <a:t>9</a:t>
+            </a:r>
+            <a:endParaRPr lang="ko-KR" altLang="en-US" sz="1200" dirty="0"/>
+          </a:p>
+        </p:txBody>
+      </p:sp>
+      <p:sp>
+        <p:nvSpPr>
+          <p:cNvPr id="9" name="사각형: 둥근 모서리 8">
+            <a:extLst>
+              <a:ext uri="{FF2B5EF4-FFF2-40B4-BE49-F238E27FC236}">
+                <a16:creationId xmlns:a16="http://schemas.microsoft.com/office/drawing/2014/main" id="{0210BC02-8658-4B5F-AD89-48039BF70D0A}"/>
               </a:ext>
             </a:extLst>
           </p:cNvPr>
@@ -4161,176 +4870,7 @@
         </p:nvSpPr>
         <p:spPr>
           <a:xfrm>
-            <a:off x="221985" y="4714579"/>
-            <a:ext cx="1411164" cy="386397"/>
-          </a:xfrm>
-          <a:prstGeom prst="roundRect">
-            <a:avLst/>
-          </a:prstGeom>
-        </p:spPr>
-        <p:style>
-          <a:lnRef idx="2">
-            <a:schemeClr val="accent1">
-              <a:shade val="50000"/>
-            </a:schemeClr>
-          </a:lnRef>
-          <a:fillRef idx="1">
-            <a:schemeClr val="accent1"/>
-          </a:fillRef>
-          <a:effectRef idx="0">
-            <a:schemeClr val="accent1"/>
-          </a:effectRef>
-          <a:fontRef idx="minor">
-            <a:schemeClr val="lt1"/>
-          </a:fontRef>
-        </p:style>
-        <p:txBody>
-          <a:bodyPr rtlCol="0" anchor="ctr"/>
-          <a:lstStyle/>
-          <a:p>
-            <a:pPr algn="ctr"/>
-            <a:r>
-              <a:rPr lang="ko-KR" altLang="en-US" dirty="0"/>
-              <a:t>스케줄러</a:t>
-            </a:r>
-          </a:p>
-        </p:txBody>
-      </p:sp>
-      <p:sp>
-        <p:nvSpPr>
-          <p:cNvPr id="43" name="TextBox 42">
-            <a:extLst>
-              <a:ext uri="{FF2B5EF4-FFF2-40B4-BE49-F238E27FC236}">
-                <a16:creationId xmlns:a16="http://schemas.microsoft.com/office/drawing/2014/main" id="{DAFBB9E6-E8A4-4B9F-B1DB-A992F912C724}"/>
-              </a:ext>
-            </a:extLst>
-          </p:cNvPr>
-          <p:cNvSpPr txBox="1"/>
-          <p:nvPr/>
-        </p:nvSpPr>
-        <p:spPr>
-          <a:xfrm>
-            <a:off x="2282157" y="4182229"/>
-            <a:ext cx="542136" cy="369332"/>
-          </a:xfrm>
-          <a:prstGeom prst="rect">
-            <a:avLst/>
-          </a:prstGeom>
-          <a:noFill/>
-        </p:spPr>
-        <p:txBody>
-          <a:bodyPr wrap="none" rtlCol="0">
-            <a:spAutoFit/>
-          </a:bodyPr>
-          <a:lstStyle/>
-          <a:p>
-            <a:r>
-              <a:rPr lang="ko-KR" altLang="en-US" dirty="0"/>
-              <a:t>▲</a:t>
-            </a:r>
-            <a:r>
-              <a:rPr lang="en-US" altLang="ko-KR" dirty="0"/>
-              <a:t>2</a:t>
-            </a:r>
-            <a:endParaRPr lang="ko-KR" altLang="en-US" dirty="0"/>
-          </a:p>
-        </p:txBody>
-      </p:sp>
-      <p:sp>
-        <p:nvSpPr>
-          <p:cNvPr id="45" name="TextBox 44">
-            <a:extLst>
-              <a:ext uri="{FF2B5EF4-FFF2-40B4-BE49-F238E27FC236}">
-                <a16:creationId xmlns:a16="http://schemas.microsoft.com/office/drawing/2014/main" id="{36A3BB59-6650-4F71-855F-A14BA62B0F3D}"/>
-              </a:ext>
-            </a:extLst>
-          </p:cNvPr>
-          <p:cNvSpPr txBox="1"/>
-          <p:nvPr/>
-        </p:nvSpPr>
-        <p:spPr>
-          <a:xfrm>
-            <a:off x="2304300" y="3393119"/>
-            <a:ext cx="542136" cy="369332"/>
-          </a:xfrm>
-          <a:prstGeom prst="rect">
-            <a:avLst/>
-          </a:prstGeom>
-          <a:noFill/>
-        </p:spPr>
-        <p:txBody>
-          <a:bodyPr wrap="none" rtlCol="0">
-            <a:spAutoFit/>
-          </a:bodyPr>
-          <a:lstStyle/>
-          <a:p>
-            <a:r>
-              <a:rPr lang="ko-KR" altLang="en-US" dirty="0"/>
-              <a:t>▲</a:t>
-            </a:r>
-            <a:r>
-              <a:rPr lang="en-US" altLang="ko-KR" dirty="0"/>
-              <a:t>4</a:t>
-            </a:r>
-            <a:endParaRPr lang="ko-KR" altLang="en-US" dirty="0"/>
-          </a:p>
-        </p:txBody>
-      </p:sp>
-      <p:sp>
-        <p:nvSpPr>
-          <p:cNvPr id="46" name="TextBox 45">
-            <a:extLst>
-              <a:ext uri="{FF2B5EF4-FFF2-40B4-BE49-F238E27FC236}">
-                <a16:creationId xmlns:a16="http://schemas.microsoft.com/office/drawing/2014/main" id="{2A10D550-BB4A-47D2-A178-C569A2DEF908}"/>
-              </a:ext>
-            </a:extLst>
-          </p:cNvPr>
-          <p:cNvSpPr txBox="1"/>
-          <p:nvPr/>
-        </p:nvSpPr>
-        <p:spPr>
-          <a:xfrm>
-            <a:off x="3973819" y="3377313"/>
-            <a:ext cx="542136" cy="369332"/>
-          </a:xfrm>
-          <a:prstGeom prst="rect">
-            <a:avLst/>
-          </a:prstGeom>
-          <a:noFill/>
-        </p:spPr>
-        <p:txBody>
-          <a:bodyPr wrap="none" rtlCol="0">
-            <a:spAutoFit/>
-          </a:bodyPr>
-          <a:lstStyle/>
-          <a:p>
-            <a:r>
-              <a:rPr lang="ko-KR" altLang="en-US" dirty="0"/>
-              <a:t>▲</a:t>
-            </a:r>
-            <a:r>
-              <a:rPr lang="en-US" altLang="ko-KR" dirty="0"/>
-              <a:t>7</a:t>
-            </a:r>
-            <a:endParaRPr lang="ko-KR" altLang="en-US" dirty="0"/>
-          </a:p>
-        </p:txBody>
-      </p:sp>
-      <p:sp>
-        <p:nvSpPr>
-          <p:cNvPr id="47" name="사각형: 둥근 모서리 46">
-            <a:extLst>
-              <a:ext uri="{FF2B5EF4-FFF2-40B4-BE49-F238E27FC236}">
-                <a16:creationId xmlns:a16="http://schemas.microsoft.com/office/drawing/2014/main" id="{CA653316-6397-4400-B642-403D3EE44674}"/>
-              </a:ext>
-            </a:extLst>
-          </p:cNvPr>
-          <p:cNvSpPr/>
-          <p:nvPr/>
-        </p:nvSpPr>
-        <p:spPr>
-          <a:xfrm>
-            <a:off x="4490030" y="4245997"/>
+            <a:off x="3138721" y="4458570"/>
             <a:ext cx="725490" cy="255133"/>
           </a:xfrm>
           <a:prstGeom prst="roundRect">
@@ -4359,459 +4899,8 @@
           <a:p>
             <a:pPr algn="ctr"/>
             <a:r>
-              <a:rPr lang="ko-KR" altLang="en-US" sz="1200" dirty="0"/>
+              <a:rPr lang="ko-KR" altLang="en-US" sz="1000" dirty="0"/>
               <a:t>리스트</a:t>
-            </a:r>
-          </a:p>
-        </p:txBody>
-      </p:sp>
-      <p:sp>
-        <p:nvSpPr>
-          <p:cNvPr id="48" name="사각형: 둥근 모서리 47">
-            <a:extLst>
-              <a:ext uri="{FF2B5EF4-FFF2-40B4-BE49-F238E27FC236}">
-                <a16:creationId xmlns:a16="http://schemas.microsoft.com/office/drawing/2014/main" id="{24908904-A1C0-4890-AAFF-85ED6C736298}"/>
-              </a:ext>
-            </a:extLst>
-          </p:cNvPr>
-          <p:cNvSpPr/>
-          <p:nvPr/>
-        </p:nvSpPr>
-        <p:spPr>
-          <a:xfrm>
-            <a:off x="4506851" y="3454436"/>
-            <a:ext cx="725490" cy="255133"/>
-          </a:xfrm>
-          <a:prstGeom prst="roundRect">
-            <a:avLst/>
-          </a:prstGeom>
-        </p:spPr>
-        <p:style>
-          <a:lnRef idx="2">
-            <a:schemeClr val="accent3">
-              <a:shade val="50000"/>
-            </a:schemeClr>
-          </a:lnRef>
-          <a:fillRef idx="1">
-            <a:schemeClr val="accent3"/>
-          </a:fillRef>
-          <a:effectRef idx="0">
-            <a:schemeClr val="accent3"/>
-          </a:effectRef>
-          <a:fontRef idx="minor">
-            <a:schemeClr val="lt1"/>
-          </a:fontRef>
-        </p:style>
-        <p:txBody>
-          <a:bodyPr rtlCol="0" anchor="ctr"/>
-          <a:lstStyle/>
-          <a:p>
-            <a:pPr algn="ctr"/>
-            <a:r>
-              <a:rPr lang="ko-KR" altLang="en-US" sz="1200" dirty="0"/>
-              <a:t>리스트</a:t>
-            </a:r>
-          </a:p>
-        </p:txBody>
-      </p:sp>
-      <p:sp>
-        <p:nvSpPr>
-          <p:cNvPr id="50" name="TextBox 49">
-            <a:extLst>
-              <a:ext uri="{FF2B5EF4-FFF2-40B4-BE49-F238E27FC236}">
-                <a16:creationId xmlns:a16="http://schemas.microsoft.com/office/drawing/2014/main" id="{CE861668-E0A3-4135-BFF0-EAC28C512813}"/>
-              </a:ext>
-            </a:extLst>
-          </p:cNvPr>
-          <p:cNvSpPr txBox="1"/>
-          <p:nvPr/>
-        </p:nvSpPr>
-        <p:spPr>
-          <a:xfrm>
-            <a:off x="1661304" y="2998528"/>
-            <a:ext cx="542136" cy="369332"/>
-          </a:xfrm>
-          <a:prstGeom prst="rect">
-            <a:avLst/>
-          </a:prstGeom>
-          <a:noFill/>
-        </p:spPr>
-        <p:txBody>
-          <a:bodyPr wrap="none" rtlCol="0">
-            <a:spAutoFit/>
-          </a:bodyPr>
-          <a:lstStyle/>
-          <a:p>
-            <a:r>
-              <a:rPr lang="ko-KR" altLang="en-US" dirty="0"/>
-              <a:t>◀</a:t>
-            </a:r>
-            <a:r>
-              <a:rPr lang="en-US" altLang="ko-KR" dirty="0"/>
-              <a:t>5</a:t>
-            </a:r>
-            <a:endParaRPr lang="ko-KR" altLang="en-US" dirty="0"/>
-          </a:p>
-        </p:txBody>
-      </p:sp>
-      <p:sp>
-        <p:nvSpPr>
-          <p:cNvPr id="51" name="TextBox 50">
-            <a:extLst>
-              <a:ext uri="{FF2B5EF4-FFF2-40B4-BE49-F238E27FC236}">
-                <a16:creationId xmlns:a16="http://schemas.microsoft.com/office/drawing/2014/main" id="{28D11020-9EFF-4311-802C-A05134F38A30}"/>
-              </a:ext>
-            </a:extLst>
-          </p:cNvPr>
-          <p:cNvSpPr txBox="1"/>
-          <p:nvPr/>
-        </p:nvSpPr>
-        <p:spPr>
-          <a:xfrm>
-            <a:off x="3933399" y="4188897"/>
-            <a:ext cx="542136" cy="369332"/>
-          </a:xfrm>
-          <a:prstGeom prst="rect">
-            <a:avLst/>
-          </a:prstGeom>
-          <a:noFill/>
-        </p:spPr>
-        <p:txBody>
-          <a:bodyPr wrap="none" rtlCol="0">
-            <a:spAutoFit/>
-          </a:bodyPr>
-          <a:lstStyle/>
-          <a:p>
-            <a:r>
-              <a:rPr lang="ko-KR" altLang="en-US" dirty="0"/>
-              <a:t>▲</a:t>
-            </a:r>
-            <a:r>
-              <a:rPr lang="en-US" altLang="ko-KR" dirty="0"/>
-              <a:t>6</a:t>
-            </a:r>
-            <a:endParaRPr lang="ko-KR" altLang="en-US" dirty="0"/>
-          </a:p>
-        </p:txBody>
-      </p:sp>
-      <p:sp>
-        <p:nvSpPr>
-          <p:cNvPr id="52" name="TextBox 51">
-            <a:extLst>
-              <a:ext uri="{FF2B5EF4-FFF2-40B4-BE49-F238E27FC236}">
-                <a16:creationId xmlns:a16="http://schemas.microsoft.com/office/drawing/2014/main" id="{26D546CD-A03E-4CB5-B7BB-48E430FE3D02}"/>
-              </a:ext>
-            </a:extLst>
-          </p:cNvPr>
-          <p:cNvSpPr txBox="1"/>
-          <p:nvPr/>
-        </p:nvSpPr>
-        <p:spPr>
-          <a:xfrm>
-            <a:off x="4019301" y="2564207"/>
-            <a:ext cx="542136" cy="369332"/>
-          </a:xfrm>
-          <a:prstGeom prst="rect">
-            <a:avLst/>
-          </a:prstGeom>
-          <a:noFill/>
-        </p:spPr>
-        <p:txBody>
-          <a:bodyPr wrap="none" rtlCol="0">
-            <a:spAutoFit/>
-          </a:bodyPr>
-          <a:lstStyle/>
-          <a:p>
-            <a:r>
-              <a:rPr lang="ko-KR" altLang="en-US" dirty="0"/>
-              <a:t>▲</a:t>
-            </a:r>
-            <a:r>
-              <a:rPr lang="en-US" altLang="ko-KR" dirty="0"/>
-              <a:t>8</a:t>
-            </a:r>
-            <a:endParaRPr lang="ko-KR" altLang="en-US" dirty="0"/>
-          </a:p>
-        </p:txBody>
-      </p:sp>
-      <p:sp>
-        <p:nvSpPr>
-          <p:cNvPr id="53" name="TextBox 52">
-            <a:extLst>
-              <a:ext uri="{FF2B5EF4-FFF2-40B4-BE49-F238E27FC236}">
-                <a16:creationId xmlns:a16="http://schemas.microsoft.com/office/drawing/2014/main" id="{3FFDC367-4F57-46A6-963B-D676FC21AFEF}"/>
-              </a:ext>
-            </a:extLst>
-          </p:cNvPr>
-          <p:cNvSpPr txBox="1"/>
-          <p:nvPr/>
-        </p:nvSpPr>
-        <p:spPr>
-          <a:xfrm>
-            <a:off x="6275772" y="3397180"/>
-            <a:ext cx="668773" cy="369332"/>
-          </a:xfrm>
-          <a:prstGeom prst="rect">
-            <a:avLst/>
-          </a:prstGeom>
-          <a:noFill/>
-        </p:spPr>
-        <p:txBody>
-          <a:bodyPr wrap="none" rtlCol="0">
-            <a:spAutoFit/>
-          </a:bodyPr>
-          <a:lstStyle/>
-          <a:p>
-            <a:r>
-              <a:rPr lang="ko-KR" altLang="en-US" dirty="0"/>
-              <a:t>▲</a:t>
-            </a:r>
-            <a:r>
-              <a:rPr lang="en-US" altLang="ko-KR" dirty="0"/>
-              <a:t>10</a:t>
-            </a:r>
-            <a:endParaRPr lang="ko-KR" altLang="en-US" dirty="0"/>
-          </a:p>
-        </p:txBody>
-      </p:sp>
-      <p:sp>
-        <p:nvSpPr>
-          <p:cNvPr id="54" name="사각형: 둥근 모서리 53">
-            <a:extLst>
-              <a:ext uri="{FF2B5EF4-FFF2-40B4-BE49-F238E27FC236}">
-                <a16:creationId xmlns:a16="http://schemas.microsoft.com/office/drawing/2014/main" id="{1D0C48CA-5C44-445C-87ED-ACF07C9D8BA8}"/>
-              </a:ext>
-            </a:extLst>
-          </p:cNvPr>
-          <p:cNvSpPr/>
-          <p:nvPr/>
-        </p:nvSpPr>
-        <p:spPr>
-          <a:xfrm>
-            <a:off x="8389964" y="3002251"/>
-            <a:ext cx="1375323" cy="386397"/>
-          </a:xfrm>
-          <a:prstGeom prst="roundRect">
-            <a:avLst/>
-          </a:prstGeom>
-        </p:spPr>
-        <p:style>
-          <a:lnRef idx="2">
-            <a:schemeClr val="accent1">
-              <a:shade val="50000"/>
-            </a:schemeClr>
-          </a:lnRef>
-          <a:fillRef idx="1">
-            <a:schemeClr val="accent1"/>
-          </a:fillRef>
-          <a:effectRef idx="0">
-            <a:schemeClr val="accent1"/>
-          </a:effectRef>
-          <a:fontRef idx="minor">
-            <a:schemeClr val="lt1"/>
-          </a:fontRef>
-        </p:style>
-        <p:txBody>
-          <a:bodyPr rtlCol="0" anchor="ctr"/>
-          <a:lstStyle/>
-          <a:p>
-            <a:pPr algn="ctr"/>
-            <a:r>
-              <a:rPr lang="ko-KR" altLang="en-US" dirty="0"/>
-              <a:t>추가구분자</a:t>
-            </a:r>
-          </a:p>
-        </p:txBody>
-      </p:sp>
-      <p:sp>
-        <p:nvSpPr>
-          <p:cNvPr id="55" name="TextBox 54">
-            <a:extLst>
-              <a:ext uri="{FF2B5EF4-FFF2-40B4-BE49-F238E27FC236}">
-                <a16:creationId xmlns:a16="http://schemas.microsoft.com/office/drawing/2014/main" id="{E4A1AA50-0C82-47DF-8AA5-F2C410ECD6CC}"/>
-              </a:ext>
-            </a:extLst>
-          </p:cNvPr>
-          <p:cNvSpPr txBox="1"/>
-          <p:nvPr/>
-        </p:nvSpPr>
-        <p:spPr>
-          <a:xfrm>
-            <a:off x="8541416" y="3397180"/>
-            <a:ext cx="668773" cy="369332"/>
-          </a:xfrm>
-          <a:prstGeom prst="rect">
-            <a:avLst/>
-          </a:prstGeom>
-          <a:noFill/>
-        </p:spPr>
-        <p:txBody>
-          <a:bodyPr wrap="none" rtlCol="0">
-            <a:spAutoFit/>
-          </a:bodyPr>
-          <a:lstStyle/>
-          <a:p>
-            <a:r>
-              <a:rPr lang="ko-KR" altLang="en-US" dirty="0"/>
-              <a:t>▲</a:t>
-            </a:r>
-            <a:r>
-              <a:rPr lang="en-US" altLang="ko-KR" dirty="0"/>
-              <a:t>11</a:t>
-            </a:r>
-            <a:endParaRPr lang="ko-KR" altLang="en-US" dirty="0"/>
-          </a:p>
-        </p:txBody>
-      </p:sp>
-      <p:sp>
-        <p:nvSpPr>
-          <p:cNvPr id="56" name="사각형: 둥근 모서리 55">
-            <a:extLst>
-              <a:ext uri="{FF2B5EF4-FFF2-40B4-BE49-F238E27FC236}">
-                <a16:creationId xmlns:a16="http://schemas.microsoft.com/office/drawing/2014/main" id="{8D057E84-2D8A-4DBD-80AF-08E888E71F60}"/>
-              </a:ext>
-            </a:extLst>
-          </p:cNvPr>
-          <p:cNvSpPr/>
-          <p:nvPr/>
-        </p:nvSpPr>
-        <p:spPr>
-          <a:xfrm>
-            <a:off x="10960815" y="1832698"/>
-            <a:ext cx="975360" cy="833530"/>
-          </a:xfrm>
-          <a:prstGeom prst="roundRect">
-            <a:avLst/>
-          </a:prstGeom>
-        </p:spPr>
-        <p:style>
-          <a:lnRef idx="2">
-            <a:schemeClr val="accent2">
-              <a:shade val="50000"/>
-            </a:schemeClr>
-          </a:lnRef>
-          <a:fillRef idx="1">
-            <a:schemeClr val="accent2"/>
-          </a:fillRef>
-          <a:effectRef idx="0">
-            <a:schemeClr val="accent2"/>
-          </a:effectRef>
-          <a:fontRef idx="minor">
-            <a:schemeClr val="lt1"/>
-          </a:fontRef>
-        </p:style>
-        <p:txBody>
-          <a:bodyPr rtlCol="0" anchor="ctr"/>
-          <a:lstStyle/>
-          <a:p>
-            <a:pPr algn="ctr"/>
-            <a:r>
-              <a:rPr lang="en-US" altLang="ko-KR" sz="1050" dirty="0"/>
-              <a:t>New</a:t>
-            </a:r>
-          </a:p>
-          <a:p>
-            <a:pPr algn="ctr"/>
-            <a:r>
-              <a:rPr lang="en-US" altLang="ko-KR" sz="1050" dirty="0"/>
-              <a:t>stay</a:t>
-            </a:r>
-          </a:p>
-          <a:p>
-            <a:pPr algn="ctr"/>
-            <a:r>
-              <a:rPr lang="en-US" altLang="ko-KR" sz="1050" dirty="0"/>
-              <a:t>removed</a:t>
-            </a:r>
-            <a:endParaRPr lang="ko-KR" altLang="en-US" sz="1050" dirty="0"/>
-          </a:p>
-        </p:txBody>
-      </p:sp>
-      <p:sp>
-        <p:nvSpPr>
-          <p:cNvPr id="58" name="TextBox 57">
-            <a:extLst>
-              <a:ext uri="{FF2B5EF4-FFF2-40B4-BE49-F238E27FC236}">
-                <a16:creationId xmlns:a16="http://schemas.microsoft.com/office/drawing/2014/main" id="{FF0A1300-70EE-4F0A-AC45-7562F820BB14}"/>
-              </a:ext>
-            </a:extLst>
-          </p:cNvPr>
-          <p:cNvSpPr txBox="1"/>
-          <p:nvPr/>
-        </p:nvSpPr>
-        <p:spPr>
-          <a:xfrm>
-            <a:off x="11055172" y="3969323"/>
-            <a:ext cx="668773" cy="369332"/>
-          </a:xfrm>
-          <a:prstGeom prst="rect">
-            <a:avLst/>
-          </a:prstGeom>
-          <a:noFill/>
-        </p:spPr>
-        <p:txBody>
-          <a:bodyPr wrap="none" rtlCol="0">
-            <a:spAutoFit/>
-          </a:bodyPr>
-          <a:lstStyle/>
-          <a:p>
-            <a:r>
-              <a:rPr lang="ko-KR" altLang="en-US" dirty="0"/>
-              <a:t>▲</a:t>
-            </a:r>
-            <a:r>
-              <a:rPr lang="en-US" altLang="ko-KR" dirty="0"/>
-              <a:t>13</a:t>
-            </a:r>
-            <a:endParaRPr lang="ko-KR" altLang="en-US" dirty="0"/>
-          </a:p>
-        </p:txBody>
-      </p:sp>
-      <p:sp>
-        <p:nvSpPr>
-          <p:cNvPr id="59" name="사각형: 둥근 모서리 58">
-            <a:extLst>
-              <a:ext uri="{FF2B5EF4-FFF2-40B4-BE49-F238E27FC236}">
-                <a16:creationId xmlns:a16="http://schemas.microsoft.com/office/drawing/2014/main" id="{CC992A81-FBE7-4092-A8DD-D5ED0858B8BA}"/>
-              </a:ext>
-            </a:extLst>
-          </p:cNvPr>
-          <p:cNvSpPr/>
-          <p:nvPr/>
-        </p:nvSpPr>
-        <p:spPr>
-          <a:xfrm>
-            <a:off x="10760832" y="3287438"/>
-            <a:ext cx="1375323" cy="386397"/>
-          </a:xfrm>
-          <a:prstGeom prst="roundRect">
-            <a:avLst/>
-          </a:prstGeom>
-        </p:spPr>
-        <p:style>
-          <a:lnRef idx="2">
-            <a:schemeClr val="accent1">
-              <a:shade val="50000"/>
-            </a:schemeClr>
-          </a:lnRef>
-          <a:fillRef idx="1">
-            <a:schemeClr val="accent1"/>
-          </a:fillRef>
-          <a:effectRef idx="0">
-            <a:schemeClr val="accent1"/>
-          </a:effectRef>
-          <a:fontRef idx="minor">
-            <a:schemeClr val="lt1"/>
-          </a:fontRef>
-        </p:style>
-        <p:txBody>
-          <a:bodyPr rtlCol="0" anchor="ctr"/>
-          <a:lstStyle/>
-          <a:p>
-            <a:pPr algn="ctr"/>
-            <a:r>
-              <a:rPr lang="ko-KR" altLang="en-US" dirty="0"/>
-              <a:t>번역자</a:t>
             </a:r>
           </a:p>
         </p:txBody>

--- a/doc/flow.pptx
+++ b/doc/flow.pptx
@@ -3335,8 +3335,8 @@
         </p:nvSpPr>
         <p:spPr>
           <a:xfrm>
-            <a:off x="10842437" y="4514196"/>
-            <a:ext cx="1212116" cy="790606"/>
+            <a:off x="10834397" y="3808508"/>
+            <a:ext cx="1212116" cy="386398"/>
           </a:xfrm>
           <a:prstGeom prst="roundRect">
             <a:avLst/>
@@ -3365,7 +3365,7 @@
             <a:pPr algn="ctr"/>
             <a:r>
               <a:rPr lang="ko-KR" altLang="en-US" sz="1200" dirty="0" err="1"/>
-              <a:t>발송자</a:t>
+              <a:t>알림자</a:t>
             </a:r>
             <a:endParaRPr lang="ko-KR" altLang="en-US" sz="1200" dirty="0"/>
           </a:p>
@@ -3373,10 +3373,10 @@
       </p:sp>
       <p:sp>
         <p:nvSpPr>
-          <p:cNvPr id="5" name="사각형: 둥근 모서리 4">
-            <a:extLst>
-              <a:ext uri="{FF2B5EF4-FFF2-40B4-BE49-F238E27FC236}">
-                <a16:creationId xmlns:a16="http://schemas.microsoft.com/office/drawing/2014/main" id="{48244EEE-B5DC-4DA6-8EF8-163F8FD0BB35}"/>
+          <p:cNvPr id="14" name="사각형: 둥근 모서리 13">
+            <a:extLst>
+              <a:ext uri="{FF2B5EF4-FFF2-40B4-BE49-F238E27FC236}">
+                <a16:creationId xmlns:a16="http://schemas.microsoft.com/office/drawing/2014/main" id="{58E45F1F-F12F-4427-8BAE-E3C2A5970EB4}"/>
               </a:ext>
             </a:extLst>
           </p:cNvPr>
@@ -3385,8 +3385,108 @@
         </p:nvSpPr>
         <p:spPr>
           <a:xfrm>
-            <a:off x="2205927" y="3795832"/>
-            <a:ext cx="1211311" cy="386397"/>
+            <a:off x="1782153" y="2170776"/>
+            <a:ext cx="916856" cy="471784"/>
+          </a:xfrm>
+          <a:prstGeom prst="roundRect">
+            <a:avLst/>
+          </a:prstGeom>
+        </p:spPr>
+        <p:style>
+          <a:lnRef idx="2">
+            <a:schemeClr val="accent2">
+              <a:shade val="50000"/>
+            </a:schemeClr>
+          </a:lnRef>
+          <a:fillRef idx="1">
+            <a:schemeClr val="accent2"/>
+          </a:fillRef>
+          <a:effectRef idx="0">
+            <a:schemeClr val="accent2"/>
+          </a:effectRef>
+          <a:fontRef idx="minor">
+            <a:schemeClr val="lt1"/>
+          </a:fontRef>
+        </p:style>
+        <p:txBody>
+          <a:bodyPr rtlCol="0" anchor="ctr"/>
+          <a:lstStyle/>
+          <a:p>
+            <a:pPr algn="ctr"/>
+            <a:r>
+              <a:rPr lang="en-US" altLang="ko-KR" sz="1200"/>
+              <a:t>row</a:t>
+            </a:r>
+            <a:endParaRPr lang="ko-KR" altLang="en-US" sz="1200" dirty="0"/>
+          </a:p>
+        </p:txBody>
+      </p:sp>
+      <p:sp>
+        <p:nvSpPr>
+          <p:cNvPr id="25" name="사각형: 둥근 모서리 24">
+            <a:extLst>
+              <a:ext uri="{FF2B5EF4-FFF2-40B4-BE49-F238E27FC236}">
+                <a16:creationId xmlns:a16="http://schemas.microsoft.com/office/drawing/2014/main" id="{E49E9796-8036-4875-BDF4-3330063569FB}"/>
+              </a:ext>
+            </a:extLst>
+          </p:cNvPr>
+          <p:cNvSpPr/>
+          <p:nvPr/>
+        </p:nvSpPr>
+        <p:spPr>
+          <a:xfrm>
+            <a:off x="2920417" y="2163184"/>
+            <a:ext cx="916856" cy="471784"/>
+          </a:xfrm>
+          <a:prstGeom prst="roundRect">
+            <a:avLst/>
+          </a:prstGeom>
+        </p:spPr>
+        <p:style>
+          <a:lnRef idx="2">
+            <a:schemeClr val="accent2">
+              <a:shade val="50000"/>
+            </a:schemeClr>
+          </a:lnRef>
+          <a:fillRef idx="1">
+            <a:schemeClr val="accent2"/>
+          </a:fillRef>
+          <a:effectRef idx="0">
+            <a:schemeClr val="accent2"/>
+          </a:effectRef>
+          <a:fontRef idx="minor">
+            <a:schemeClr val="lt1"/>
+          </a:fontRef>
+        </p:style>
+        <p:txBody>
+          <a:bodyPr rtlCol="0" anchor="ctr"/>
+          <a:lstStyle/>
+          <a:p>
+            <a:pPr algn="ctr"/>
+            <a:r>
+              <a:rPr lang="en-US" altLang="ko-KR" sz="1200"/>
+              <a:t>row</a:t>
+            </a:r>
+            <a:endParaRPr lang="ko-KR" altLang="en-US" sz="1200" dirty="0"/>
+          </a:p>
+        </p:txBody>
+      </p:sp>
+      <p:sp>
+        <p:nvSpPr>
+          <p:cNvPr id="42" name="사각형: 둥근 모서리 41">
+            <a:extLst>
+              <a:ext uri="{FF2B5EF4-FFF2-40B4-BE49-F238E27FC236}">
+                <a16:creationId xmlns:a16="http://schemas.microsoft.com/office/drawing/2014/main" id="{2C0BDD42-E14A-4148-B386-0F043B35A11D}"/>
+              </a:ext>
+            </a:extLst>
+          </p:cNvPr>
+          <p:cNvSpPr/>
+          <p:nvPr/>
+        </p:nvSpPr>
+        <p:spPr>
+          <a:xfrm>
+            <a:off x="93936" y="5972572"/>
+            <a:ext cx="1234750" cy="386397"/>
           </a:xfrm>
           <a:prstGeom prst="roundRect">
             <a:avLst/>
@@ -3415,17 +3515,17 @@
             <a:pPr algn="ctr"/>
             <a:r>
               <a:rPr lang="ko-KR" altLang="en-US" sz="1200" dirty="0"/>
-              <a:t>간이모음자</a:t>
-            </a:r>
-          </a:p>
-        </p:txBody>
-      </p:sp>
-      <p:sp>
-        <p:nvSpPr>
-          <p:cNvPr id="6" name="사각형: 둥근 모서리 5">
-            <a:extLst>
-              <a:ext uri="{FF2B5EF4-FFF2-40B4-BE49-F238E27FC236}">
-                <a16:creationId xmlns:a16="http://schemas.microsoft.com/office/drawing/2014/main" id="{C1064F1E-5CF1-446A-8A62-4B1C517A7733}"/>
+              <a:t>스케줄러</a:t>
+            </a:r>
+          </a:p>
+        </p:txBody>
+      </p:sp>
+      <p:sp>
+        <p:nvSpPr>
+          <p:cNvPr id="56" name="사각형: 둥근 모서리 55">
+            <a:extLst>
+              <a:ext uri="{FF2B5EF4-FFF2-40B4-BE49-F238E27FC236}">
+                <a16:creationId xmlns:a16="http://schemas.microsoft.com/office/drawing/2014/main" id="{8D057E84-2D8A-4DBD-80AF-08E888E71F60}"/>
               </a:ext>
             </a:extLst>
           </p:cNvPr>
@@ -3434,8 +3534,72 @@
         </p:nvSpPr>
         <p:spPr>
           <a:xfrm>
-            <a:off x="5092505" y="2905507"/>
-            <a:ext cx="1305473" cy="386397"/>
+            <a:off x="10900212" y="1231965"/>
+            <a:ext cx="975360" cy="833530"/>
+          </a:xfrm>
+          <a:prstGeom prst="roundRect">
+            <a:avLst/>
+          </a:prstGeom>
+        </p:spPr>
+        <p:style>
+          <a:lnRef idx="2">
+            <a:schemeClr val="accent2">
+              <a:shade val="50000"/>
+            </a:schemeClr>
+          </a:lnRef>
+          <a:fillRef idx="1">
+            <a:schemeClr val="accent2"/>
+          </a:fillRef>
+          <a:effectRef idx="0">
+            <a:schemeClr val="accent2"/>
+          </a:effectRef>
+          <a:fontRef idx="minor">
+            <a:schemeClr val="lt1"/>
+          </a:fontRef>
+        </p:style>
+        <p:txBody>
+          <a:bodyPr rtlCol="0" anchor="ctr"/>
+          <a:lstStyle/>
+          <a:p>
+            <a:pPr algn="ctr"/>
+            <a:r>
+              <a:rPr lang="en-US" altLang="ko-KR" sz="800" dirty="0"/>
+              <a:t>New</a:t>
+            </a:r>
+          </a:p>
+          <a:p>
+            <a:pPr algn="ctr"/>
+            <a:r>
+              <a:rPr lang="en-US" altLang="ko-KR" sz="800" dirty="0"/>
+              <a:t>stay</a:t>
+            </a:r>
+          </a:p>
+          <a:p>
+            <a:pPr algn="ctr"/>
+            <a:r>
+              <a:rPr lang="en-US" altLang="ko-KR" sz="800" dirty="0"/>
+              <a:t>removed</a:t>
+            </a:r>
+            <a:endParaRPr lang="ko-KR" altLang="en-US" sz="800" dirty="0"/>
+          </a:p>
+        </p:txBody>
+      </p:sp>
+      <p:sp>
+        <p:nvSpPr>
+          <p:cNvPr id="59" name="사각형: 둥근 모서리 58">
+            <a:extLst>
+              <a:ext uri="{FF2B5EF4-FFF2-40B4-BE49-F238E27FC236}">
+                <a16:creationId xmlns:a16="http://schemas.microsoft.com/office/drawing/2014/main" id="{CC992A81-FBE7-4092-A8DD-D5ED0858B8BA}"/>
+              </a:ext>
+            </a:extLst>
+          </p:cNvPr>
+          <p:cNvSpPr/>
+          <p:nvPr/>
+        </p:nvSpPr>
+        <p:spPr>
+          <a:xfrm>
+            <a:off x="10834398" y="3098705"/>
+            <a:ext cx="1212116" cy="386397"/>
           </a:xfrm>
           <a:prstGeom prst="roundRect">
             <a:avLst/>
@@ -3464,17 +3628,17 @@
             <a:pPr algn="ctr"/>
             <a:r>
               <a:rPr lang="ko-KR" altLang="en-US" sz="1200" dirty="0"/>
-              <a:t>신규구분자</a:t>
-            </a:r>
-          </a:p>
-        </p:txBody>
-      </p:sp>
-      <p:sp>
-        <p:nvSpPr>
-          <p:cNvPr id="8" name="사각형: 둥근 모서리 7">
-            <a:extLst>
-              <a:ext uri="{FF2B5EF4-FFF2-40B4-BE49-F238E27FC236}">
-                <a16:creationId xmlns:a16="http://schemas.microsoft.com/office/drawing/2014/main" id="{0EE354AD-FE2B-4D39-AA2E-A8D825705919}"/>
+              <a:t>번역자</a:t>
+            </a:r>
+          </a:p>
+        </p:txBody>
+      </p:sp>
+      <p:sp>
+        <p:nvSpPr>
+          <p:cNvPr id="13" name="사각형: 둥근 모서리 12">
+            <a:extLst>
+              <a:ext uri="{FF2B5EF4-FFF2-40B4-BE49-F238E27FC236}">
+                <a16:creationId xmlns:a16="http://schemas.microsoft.com/office/drawing/2014/main" id="{F44BDA3A-9226-4B0C-9000-2B4AB2E85C3D}"/>
               </a:ext>
             </a:extLst>
           </p:cNvPr>
@@ -3483,8 +3647,8 @@
         </p:nvSpPr>
         <p:spPr>
           <a:xfrm>
-            <a:off x="3417238" y="1753462"/>
-            <a:ext cx="1520861" cy="790606"/>
+            <a:off x="8425895" y="3298252"/>
+            <a:ext cx="812316" cy="344990"/>
           </a:xfrm>
           <a:prstGeom prst="roundRect">
             <a:avLst/>
@@ -3512,19 +3676,18 @@
           <a:p>
             <a:pPr algn="ctr"/>
             <a:r>
-              <a:rPr lang="ko-KR" altLang="en-US" sz="1200" dirty="0" err="1"/>
-              <a:t>저장자</a:t>
-            </a:r>
-            <a:endParaRPr lang="ko-KR" altLang="en-US" sz="1200" dirty="0"/>
-          </a:p>
-        </p:txBody>
-      </p:sp>
-      <p:sp>
-        <p:nvSpPr>
-          <p:cNvPr id="11" name="사각형: 둥근 모서리 10">
-            <a:extLst>
-              <a:ext uri="{FF2B5EF4-FFF2-40B4-BE49-F238E27FC236}">
-                <a16:creationId xmlns:a16="http://schemas.microsoft.com/office/drawing/2014/main" id="{3D63BAFE-440E-4261-BAD2-DB0D0232CD12}"/>
+              <a:rPr lang="ko-KR" altLang="en-US" sz="800" dirty="0"/>
+              <a:t>다시 주목할 것들</a:t>
+            </a:r>
+          </a:p>
+        </p:txBody>
+      </p:sp>
+      <p:sp>
+        <p:nvSpPr>
+          <p:cNvPr id="34" name="사각형: 둥근 모서리 33">
+            <a:extLst>
+              <a:ext uri="{FF2B5EF4-FFF2-40B4-BE49-F238E27FC236}">
+                <a16:creationId xmlns:a16="http://schemas.microsoft.com/office/drawing/2014/main" id="{CBB579C1-090D-470B-B6BF-61EAD48D9D44}"/>
               </a:ext>
             </a:extLst>
           </p:cNvPr>
@@ -3533,8 +3696,271 @@
         </p:nvSpPr>
         <p:spPr>
           <a:xfrm>
-            <a:off x="7657431" y="3297721"/>
-            <a:ext cx="975360" cy="468947"/>
+            <a:off x="4193996" y="3795832"/>
+            <a:ext cx="4528512" cy="391838"/>
+          </a:xfrm>
+          <a:prstGeom prst="roundRect">
+            <a:avLst/>
+          </a:prstGeom>
+        </p:spPr>
+        <p:style>
+          <a:lnRef idx="2">
+            <a:schemeClr val="accent1">
+              <a:shade val="50000"/>
+            </a:schemeClr>
+          </a:lnRef>
+          <a:fillRef idx="1">
+            <a:schemeClr val="accent1"/>
+          </a:fillRef>
+          <a:effectRef idx="0">
+            <a:schemeClr val="accent1"/>
+          </a:effectRef>
+          <a:fontRef idx="minor">
+            <a:schemeClr val="lt1"/>
+          </a:fontRef>
+        </p:style>
+        <p:txBody>
+          <a:bodyPr rtlCol="0" anchor="ctr"/>
+          <a:lstStyle/>
+          <a:p>
+            <a:pPr algn="ctr"/>
+            <a:r>
+              <a:rPr lang="ko-KR" altLang="en-US" sz="1200" dirty="0" err="1"/>
+              <a:t>구분자</a:t>
+            </a:r>
+            <a:endParaRPr lang="ko-KR" altLang="en-US" sz="1200" dirty="0"/>
+          </a:p>
+        </p:txBody>
+      </p:sp>
+      <p:sp>
+        <p:nvSpPr>
+          <p:cNvPr id="38" name="사각형: 둥근 모서리 37">
+            <a:extLst>
+              <a:ext uri="{FF2B5EF4-FFF2-40B4-BE49-F238E27FC236}">
+                <a16:creationId xmlns:a16="http://schemas.microsoft.com/office/drawing/2014/main" id="{8627FB6D-6E44-479C-9AE3-DE617A1C1991}"/>
+              </a:ext>
+            </a:extLst>
+          </p:cNvPr>
+          <p:cNvSpPr/>
+          <p:nvPr/>
+        </p:nvSpPr>
+        <p:spPr>
+          <a:xfrm>
+            <a:off x="1219201" y="4609888"/>
+            <a:ext cx="10601498" cy="613475"/>
+          </a:xfrm>
+          <a:prstGeom prst="roundRect">
+            <a:avLst/>
+          </a:prstGeom>
+        </p:spPr>
+        <p:style>
+          <a:lnRef idx="2">
+            <a:schemeClr val="accent1">
+              <a:shade val="50000"/>
+            </a:schemeClr>
+          </a:lnRef>
+          <a:fillRef idx="1">
+            <a:schemeClr val="accent1"/>
+          </a:fillRef>
+          <a:effectRef idx="0">
+            <a:schemeClr val="accent1"/>
+          </a:effectRef>
+          <a:fontRef idx="minor">
+            <a:schemeClr val="lt1"/>
+          </a:fontRef>
+        </p:style>
+        <p:txBody>
+          <a:bodyPr rtlCol="0" anchor="ctr"/>
+          <a:lstStyle/>
+          <a:p>
+            <a:pPr algn="ctr"/>
+            <a:r>
+              <a:rPr lang="ko-KR" altLang="en-US" sz="1200" dirty="0"/>
+              <a:t>흐름관리자</a:t>
+            </a:r>
+            <a:endParaRPr lang="en-US" altLang="ko-KR" sz="1200" dirty="0"/>
+          </a:p>
+          <a:p>
+            <a:pPr algn="ctr"/>
+            <a:r>
+              <a:rPr lang="en-US" altLang="ko-KR" sz="1200" dirty="0"/>
+              <a:t>(</a:t>
+            </a:r>
+            <a:r>
+              <a:rPr lang="ko-KR" altLang="en-US" sz="1200" dirty="0"/>
+              <a:t>서비스</a:t>
+            </a:r>
+            <a:r>
+              <a:rPr lang="en-US" altLang="ko-KR" sz="1200" dirty="0"/>
+              <a:t>)</a:t>
+            </a:r>
+            <a:endParaRPr lang="ko-KR" altLang="en-US" sz="1200" dirty="0"/>
+          </a:p>
+        </p:txBody>
+      </p:sp>
+      <p:sp>
+        <p:nvSpPr>
+          <p:cNvPr id="54" name="사각형: 둥근 모서리 53">
+            <a:extLst>
+              <a:ext uri="{FF2B5EF4-FFF2-40B4-BE49-F238E27FC236}">
+                <a16:creationId xmlns:a16="http://schemas.microsoft.com/office/drawing/2014/main" id="{1D0C48CA-5C44-445C-87ED-ACF07C9D8BA8}"/>
+              </a:ext>
+            </a:extLst>
+          </p:cNvPr>
+          <p:cNvSpPr/>
+          <p:nvPr/>
+        </p:nvSpPr>
+        <p:spPr>
+          <a:xfrm>
+            <a:off x="8012446" y="2900770"/>
+            <a:ext cx="983202" cy="386397"/>
+          </a:xfrm>
+          <a:prstGeom prst="roundRect">
+            <a:avLst/>
+          </a:prstGeom>
+        </p:spPr>
+        <p:style>
+          <a:lnRef idx="2">
+            <a:schemeClr val="accent1">
+              <a:shade val="50000"/>
+            </a:schemeClr>
+          </a:lnRef>
+          <a:fillRef idx="1">
+            <a:schemeClr val="accent1"/>
+          </a:fillRef>
+          <a:effectRef idx="0">
+            <a:schemeClr val="accent1"/>
+          </a:effectRef>
+          <a:fontRef idx="minor">
+            <a:schemeClr val="lt1"/>
+          </a:fontRef>
+        </p:style>
+        <p:txBody>
+          <a:bodyPr rtlCol="0" anchor="ctr"/>
+          <a:lstStyle/>
+          <a:p>
+            <a:pPr algn="ctr"/>
+            <a:r>
+              <a:rPr lang="ko-KR" altLang="en-US" sz="1200" dirty="0"/>
+              <a:t>흥미확인자</a:t>
+            </a:r>
+          </a:p>
+        </p:txBody>
+      </p:sp>
+      <p:sp>
+        <p:nvSpPr>
+          <p:cNvPr id="5" name="사각형: 둥근 모서리 4">
+            <a:extLst>
+              <a:ext uri="{FF2B5EF4-FFF2-40B4-BE49-F238E27FC236}">
+                <a16:creationId xmlns:a16="http://schemas.microsoft.com/office/drawing/2014/main" id="{48244EEE-B5DC-4DA6-8EF8-163F8FD0BB35}"/>
+              </a:ext>
+            </a:extLst>
+          </p:cNvPr>
+          <p:cNvSpPr/>
+          <p:nvPr/>
+        </p:nvSpPr>
+        <p:spPr>
+          <a:xfrm>
+            <a:off x="1800720" y="3795832"/>
+            <a:ext cx="2036553" cy="386397"/>
+          </a:xfrm>
+          <a:prstGeom prst="roundRect">
+            <a:avLst/>
+          </a:prstGeom>
+        </p:spPr>
+        <p:style>
+          <a:lnRef idx="2">
+            <a:schemeClr val="accent1">
+              <a:shade val="50000"/>
+            </a:schemeClr>
+          </a:lnRef>
+          <a:fillRef idx="1">
+            <a:schemeClr val="accent1"/>
+          </a:fillRef>
+          <a:effectRef idx="0">
+            <a:schemeClr val="accent1"/>
+          </a:effectRef>
+          <a:fontRef idx="minor">
+            <a:schemeClr val="lt1"/>
+          </a:fontRef>
+        </p:style>
+        <p:txBody>
+          <a:bodyPr rtlCol="0" anchor="ctr"/>
+          <a:lstStyle/>
+          <a:p>
+            <a:pPr algn="ctr"/>
+            <a:r>
+              <a:rPr lang="ko-KR" altLang="en-US" sz="1200" dirty="0"/>
+              <a:t>모음자</a:t>
+            </a:r>
+          </a:p>
+        </p:txBody>
+      </p:sp>
+      <p:sp>
+        <p:nvSpPr>
+          <p:cNvPr id="6" name="사각형: 둥근 모서리 5">
+            <a:extLst>
+              <a:ext uri="{FF2B5EF4-FFF2-40B4-BE49-F238E27FC236}">
+                <a16:creationId xmlns:a16="http://schemas.microsoft.com/office/drawing/2014/main" id="{C1064F1E-5CF1-446A-8A62-4B1C517A7733}"/>
+              </a:ext>
+            </a:extLst>
+          </p:cNvPr>
+          <p:cNvSpPr/>
+          <p:nvPr/>
+        </p:nvSpPr>
+        <p:spPr>
+          <a:xfrm>
+            <a:off x="5361233" y="2903007"/>
+            <a:ext cx="1087246" cy="386397"/>
+          </a:xfrm>
+          <a:prstGeom prst="roundRect">
+            <a:avLst/>
+          </a:prstGeom>
+        </p:spPr>
+        <p:style>
+          <a:lnRef idx="2">
+            <a:schemeClr val="accent1">
+              <a:shade val="50000"/>
+            </a:schemeClr>
+          </a:lnRef>
+          <a:fillRef idx="1">
+            <a:schemeClr val="accent1"/>
+          </a:fillRef>
+          <a:effectRef idx="0">
+            <a:schemeClr val="accent1"/>
+          </a:effectRef>
+          <a:fontRef idx="minor">
+            <a:schemeClr val="lt1"/>
+          </a:fontRef>
+        </p:style>
+        <p:txBody>
+          <a:bodyPr rtlCol="0" anchor="ctr"/>
+          <a:lstStyle/>
+          <a:p>
+            <a:pPr algn="ctr"/>
+            <a:r>
+              <a:rPr lang="ko-KR" altLang="en-US" sz="1200" dirty="0"/>
+              <a:t>신규구분자</a:t>
+            </a:r>
+          </a:p>
+        </p:txBody>
+      </p:sp>
+      <p:sp>
+        <p:nvSpPr>
+          <p:cNvPr id="8" name="사각형: 둥근 모서리 7">
+            <a:extLst>
+              <a:ext uri="{FF2B5EF4-FFF2-40B4-BE49-F238E27FC236}">
+                <a16:creationId xmlns:a16="http://schemas.microsoft.com/office/drawing/2014/main" id="{0EE354AD-FE2B-4D39-AA2E-A8D825705919}"/>
+              </a:ext>
+            </a:extLst>
+          </p:cNvPr>
+          <p:cNvSpPr/>
+          <p:nvPr/>
+        </p:nvSpPr>
+        <p:spPr>
+          <a:xfrm>
+            <a:off x="4100400" y="1869695"/>
+            <a:ext cx="1266629" cy="790606"/>
           </a:xfrm>
           <a:prstGeom prst="roundRect">
             <a:avLst/>
@@ -3562,18 +3988,19 @@
           <a:p>
             <a:pPr algn="ctr"/>
             <a:r>
-              <a:rPr lang="ko-KR" altLang="en-US" sz="800" dirty="0"/>
-              <a:t>없어진 것들</a:t>
-            </a:r>
-          </a:p>
-        </p:txBody>
-      </p:sp>
-      <p:sp>
-        <p:nvSpPr>
-          <p:cNvPr id="12" name="사각형: 둥근 모서리 11">
-            <a:extLst>
-              <a:ext uri="{FF2B5EF4-FFF2-40B4-BE49-F238E27FC236}">
-                <a16:creationId xmlns:a16="http://schemas.microsoft.com/office/drawing/2014/main" id="{4412E7AA-3942-495C-9731-5877FC099F16}"/>
+              <a:rPr lang="ko-KR" altLang="en-US" sz="1200" dirty="0" err="1"/>
+              <a:t>저장자</a:t>
+            </a:r>
+            <a:endParaRPr lang="ko-KR" altLang="en-US" sz="1200" dirty="0"/>
+          </a:p>
+        </p:txBody>
+      </p:sp>
+      <p:sp>
+        <p:nvSpPr>
+          <p:cNvPr id="11" name="사각형: 둥근 모서리 10">
+            <a:extLst>
+              <a:ext uri="{FF2B5EF4-FFF2-40B4-BE49-F238E27FC236}">
+                <a16:creationId xmlns:a16="http://schemas.microsoft.com/office/drawing/2014/main" id="{3D63BAFE-440E-4261-BAD2-DB0D0232CD12}"/>
               </a:ext>
             </a:extLst>
           </p:cNvPr>
@@ -3582,8 +4009,8 @@
         </p:nvSpPr>
         <p:spPr>
           <a:xfrm>
-            <a:off x="6135446" y="3312303"/>
-            <a:ext cx="975360" cy="468947"/>
+            <a:off x="7144011" y="3298252"/>
+            <a:ext cx="812316" cy="344990"/>
           </a:xfrm>
           <a:prstGeom prst="roundRect">
             <a:avLst/>
@@ -3612,17 +4039,17 @@
             <a:pPr algn="ctr"/>
             <a:r>
               <a:rPr lang="ko-KR" altLang="en-US" sz="800" dirty="0"/>
-              <a:t>새로운 것들</a:t>
-            </a:r>
-          </a:p>
-        </p:txBody>
-      </p:sp>
-      <p:sp>
-        <p:nvSpPr>
-          <p:cNvPr id="13" name="사각형: 둥근 모서리 12">
-            <a:extLst>
-              <a:ext uri="{FF2B5EF4-FFF2-40B4-BE49-F238E27FC236}">
-                <a16:creationId xmlns:a16="http://schemas.microsoft.com/office/drawing/2014/main" id="{F44BDA3A-9226-4B0C-9000-2B4AB2E85C3D}"/>
+              <a:t>없어진 것들</a:t>
+            </a:r>
+          </a:p>
+        </p:txBody>
+      </p:sp>
+      <p:sp>
+        <p:nvSpPr>
+          <p:cNvPr id="12" name="사각형: 둥근 모서리 11">
+            <a:extLst>
+              <a:ext uri="{FF2B5EF4-FFF2-40B4-BE49-F238E27FC236}">
+                <a16:creationId xmlns:a16="http://schemas.microsoft.com/office/drawing/2014/main" id="{4412E7AA-3942-495C-9731-5877FC099F16}"/>
               </a:ext>
             </a:extLst>
           </p:cNvPr>
@@ -3631,8 +4058,8 @@
         </p:nvSpPr>
         <p:spPr>
           <a:xfrm>
-            <a:off x="9677991" y="3277698"/>
-            <a:ext cx="975360" cy="468947"/>
+            <a:off x="5787847" y="3298252"/>
+            <a:ext cx="812316" cy="344990"/>
           </a:xfrm>
           <a:prstGeom prst="roundRect">
             <a:avLst/>
@@ -3661,17 +4088,17 @@
             <a:pPr algn="ctr"/>
             <a:r>
               <a:rPr lang="ko-KR" altLang="en-US" sz="800" dirty="0"/>
-              <a:t>다시 주목할 것들</a:t>
-            </a:r>
-          </a:p>
-        </p:txBody>
-      </p:sp>
-      <p:sp>
-        <p:nvSpPr>
-          <p:cNvPr id="14" name="사각형: 둥근 모서리 13">
-            <a:extLst>
-              <a:ext uri="{FF2B5EF4-FFF2-40B4-BE49-F238E27FC236}">
-                <a16:creationId xmlns:a16="http://schemas.microsoft.com/office/drawing/2014/main" id="{58E45F1F-F12F-4427-8BAE-E3C2A5970EB4}"/>
+              <a:t>새로운 것들</a:t>
+            </a:r>
+          </a:p>
+        </p:txBody>
+      </p:sp>
+      <p:sp>
+        <p:nvSpPr>
+          <p:cNvPr id="21" name="사각형: 둥근 모서리 20">
+            <a:extLst>
+              <a:ext uri="{FF2B5EF4-FFF2-40B4-BE49-F238E27FC236}">
+                <a16:creationId xmlns:a16="http://schemas.microsoft.com/office/drawing/2014/main" id="{9B5DCC2B-AEAC-4370-84EA-5EAFB6404F86}"/>
               </a:ext>
             </a:extLst>
           </p:cNvPr>
@@ -3680,8 +4107,525 @@
         </p:nvSpPr>
         <p:spPr>
           <a:xfrm>
-            <a:off x="186241" y="3737951"/>
-            <a:ext cx="1212116" cy="471784"/>
+            <a:off x="2758284" y="2949654"/>
+            <a:ext cx="1008824" cy="386397"/>
+          </a:xfrm>
+          <a:prstGeom prst="roundRect">
+            <a:avLst/>
+          </a:prstGeom>
+        </p:spPr>
+        <p:style>
+          <a:lnRef idx="2">
+            <a:schemeClr val="accent1">
+              <a:shade val="50000"/>
+            </a:schemeClr>
+          </a:lnRef>
+          <a:fillRef idx="1">
+            <a:schemeClr val="accent1"/>
+          </a:fillRef>
+          <a:effectRef idx="0">
+            <a:schemeClr val="accent1"/>
+          </a:effectRef>
+          <a:fontRef idx="minor">
+            <a:schemeClr val="lt1"/>
+          </a:fontRef>
+        </p:style>
+        <p:txBody>
+          <a:bodyPr rtlCol="0" anchor="ctr"/>
+          <a:lstStyle/>
+          <a:p>
+            <a:pPr algn="ctr"/>
+            <a:r>
+              <a:rPr lang="ko-KR" altLang="en-US" sz="1200" dirty="0"/>
+              <a:t>세부모음자</a:t>
+            </a:r>
+          </a:p>
+        </p:txBody>
+      </p:sp>
+      <p:sp>
+        <p:nvSpPr>
+          <p:cNvPr id="33" name="사각형: 둥근 모서리 32">
+            <a:extLst>
+              <a:ext uri="{FF2B5EF4-FFF2-40B4-BE49-F238E27FC236}">
+                <a16:creationId xmlns:a16="http://schemas.microsoft.com/office/drawing/2014/main" id="{6139EA09-0BBE-45EE-8BE2-BF4A8F4F9364}"/>
+              </a:ext>
+            </a:extLst>
+          </p:cNvPr>
+          <p:cNvSpPr/>
+          <p:nvPr/>
+        </p:nvSpPr>
+        <p:spPr>
+          <a:xfrm>
+            <a:off x="6677883" y="2908223"/>
+            <a:ext cx="1109857" cy="386397"/>
+          </a:xfrm>
+          <a:prstGeom prst="roundRect">
+            <a:avLst/>
+          </a:prstGeom>
+        </p:spPr>
+        <p:style>
+          <a:lnRef idx="2">
+            <a:schemeClr val="accent1">
+              <a:shade val="50000"/>
+            </a:schemeClr>
+          </a:lnRef>
+          <a:fillRef idx="1">
+            <a:schemeClr val="accent1"/>
+          </a:fillRef>
+          <a:effectRef idx="0">
+            <a:schemeClr val="accent1"/>
+          </a:effectRef>
+          <a:fontRef idx="minor">
+            <a:schemeClr val="lt1"/>
+          </a:fontRef>
+        </p:style>
+        <p:txBody>
+          <a:bodyPr rtlCol="0" anchor="ctr"/>
+          <a:lstStyle/>
+          <a:p>
+            <a:pPr algn="ctr"/>
+            <a:r>
+              <a:rPr lang="ko-KR" altLang="en-US" sz="1200" dirty="0"/>
+              <a:t>삭제구분자</a:t>
+            </a:r>
+          </a:p>
+        </p:txBody>
+      </p:sp>
+      <p:sp>
+        <p:nvSpPr>
+          <p:cNvPr id="43" name="TextBox 42">
+            <a:extLst>
+              <a:ext uri="{FF2B5EF4-FFF2-40B4-BE49-F238E27FC236}">
+                <a16:creationId xmlns:a16="http://schemas.microsoft.com/office/drawing/2014/main" id="{DAFBB9E6-E8A4-4B9F-B1DB-A992F912C724}"/>
+              </a:ext>
+            </a:extLst>
+          </p:cNvPr>
+          <p:cNvSpPr txBox="1"/>
+          <p:nvPr/>
+        </p:nvSpPr>
+        <p:spPr>
+          <a:xfrm>
+            <a:off x="2175572" y="4256841"/>
+            <a:ext cx="462369" cy="276999"/>
+          </a:xfrm>
+          <a:prstGeom prst="rect">
+            <a:avLst/>
+          </a:prstGeom>
+          <a:noFill/>
+        </p:spPr>
+        <p:txBody>
+          <a:bodyPr wrap="square" rtlCol="0">
+            <a:spAutoFit/>
+          </a:bodyPr>
+          <a:lstStyle/>
+          <a:p>
+            <a:endParaRPr lang="ko-KR" altLang="en-US" sz="1200" dirty="0"/>
+          </a:p>
+        </p:txBody>
+      </p:sp>
+      <p:sp>
+        <p:nvSpPr>
+          <p:cNvPr id="47" name="사각형: 둥근 모서리 46">
+            <a:extLst>
+              <a:ext uri="{FF2B5EF4-FFF2-40B4-BE49-F238E27FC236}">
+                <a16:creationId xmlns:a16="http://schemas.microsoft.com/office/drawing/2014/main" id="{CA653316-6397-4400-B642-403D3EE44674}"/>
+              </a:ext>
+            </a:extLst>
+          </p:cNvPr>
+          <p:cNvSpPr/>
+          <p:nvPr/>
+        </p:nvSpPr>
+        <p:spPr>
+          <a:xfrm>
+            <a:off x="4012160" y="4485358"/>
+            <a:ext cx="604215" cy="255133"/>
+          </a:xfrm>
+          <a:prstGeom prst="roundRect">
+            <a:avLst/>
+          </a:prstGeom>
+        </p:spPr>
+        <p:style>
+          <a:lnRef idx="2">
+            <a:schemeClr val="accent3">
+              <a:shade val="50000"/>
+            </a:schemeClr>
+          </a:lnRef>
+          <a:fillRef idx="1">
+            <a:schemeClr val="accent3"/>
+          </a:fillRef>
+          <a:effectRef idx="0">
+            <a:schemeClr val="accent3"/>
+          </a:effectRef>
+          <a:fontRef idx="minor">
+            <a:schemeClr val="lt1"/>
+          </a:fontRef>
+        </p:style>
+        <p:txBody>
+          <a:bodyPr rtlCol="0" anchor="ctr"/>
+          <a:lstStyle/>
+          <a:p>
+            <a:pPr algn="ctr"/>
+            <a:r>
+              <a:rPr lang="ko-KR" altLang="en-US" sz="1000" dirty="0"/>
+              <a:t>리스트</a:t>
+            </a:r>
+          </a:p>
+        </p:txBody>
+      </p:sp>
+      <p:sp>
+        <p:nvSpPr>
+          <p:cNvPr id="53" name="TextBox 52">
+            <a:extLst>
+              <a:ext uri="{FF2B5EF4-FFF2-40B4-BE49-F238E27FC236}">
+                <a16:creationId xmlns:a16="http://schemas.microsoft.com/office/drawing/2014/main" id="{3FFDC367-4F57-46A6-963B-D676FC21AFEF}"/>
+              </a:ext>
+            </a:extLst>
+          </p:cNvPr>
+          <p:cNvSpPr txBox="1"/>
+          <p:nvPr/>
+        </p:nvSpPr>
+        <p:spPr>
+          <a:xfrm>
+            <a:off x="6593526" y="3401654"/>
+            <a:ext cx="593492" cy="276999"/>
+          </a:xfrm>
+          <a:prstGeom prst="rect">
+            <a:avLst/>
+          </a:prstGeom>
+          <a:noFill/>
+        </p:spPr>
+        <p:txBody>
+          <a:bodyPr wrap="square" rtlCol="0">
+            <a:spAutoFit/>
+          </a:bodyPr>
+          <a:lstStyle/>
+          <a:p>
+            <a:r>
+              <a:rPr lang="ko-KR" altLang="en-US" sz="1200" dirty="0"/>
+              <a:t>▲</a:t>
+            </a:r>
+          </a:p>
+        </p:txBody>
+      </p:sp>
+      <p:sp>
+        <p:nvSpPr>
+          <p:cNvPr id="55" name="TextBox 54">
+            <a:extLst>
+              <a:ext uri="{FF2B5EF4-FFF2-40B4-BE49-F238E27FC236}">
+                <a16:creationId xmlns:a16="http://schemas.microsoft.com/office/drawing/2014/main" id="{E4A1AA50-0C82-47DF-8AA5-F2C410ECD6CC}"/>
+              </a:ext>
+            </a:extLst>
+          </p:cNvPr>
+          <p:cNvSpPr txBox="1"/>
+          <p:nvPr/>
+        </p:nvSpPr>
+        <p:spPr>
+          <a:xfrm>
+            <a:off x="7929063" y="3416238"/>
+            <a:ext cx="593492" cy="276999"/>
+          </a:xfrm>
+          <a:prstGeom prst="rect">
+            <a:avLst/>
+          </a:prstGeom>
+          <a:noFill/>
+        </p:spPr>
+        <p:txBody>
+          <a:bodyPr wrap="square" rtlCol="0">
+            <a:spAutoFit/>
+          </a:bodyPr>
+          <a:lstStyle/>
+          <a:p>
+            <a:r>
+              <a:rPr lang="ko-KR" altLang="en-US" sz="1200" dirty="0"/>
+              <a:t>▲</a:t>
+            </a:r>
+          </a:p>
+        </p:txBody>
+      </p:sp>
+      <p:sp>
+        <p:nvSpPr>
+          <p:cNvPr id="60" name="사각형: 둥근 모서리 59">
+            <a:extLst>
+              <a:ext uri="{FF2B5EF4-FFF2-40B4-BE49-F238E27FC236}">
+                <a16:creationId xmlns:a16="http://schemas.microsoft.com/office/drawing/2014/main" id="{60F09314-6424-447D-8C70-61C706182EC6}"/>
+              </a:ext>
+            </a:extLst>
+          </p:cNvPr>
+          <p:cNvSpPr/>
+          <p:nvPr/>
+        </p:nvSpPr>
+        <p:spPr>
+          <a:xfrm>
+            <a:off x="4212474" y="2902778"/>
+            <a:ext cx="1087246" cy="386397"/>
+          </a:xfrm>
+          <a:prstGeom prst="roundRect">
+            <a:avLst/>
+          </a:prstGeom>
+        </p:spPr>
+        <p:style>
+          <a:lnRef idx="2">
+            <a:schemeClr val="accent1">
+              <a:shade val="50000"/>
+            </a:schemeClr>
+          </a:lnRef>
+          <a:fillRef idx="1">
+            <a:schemeClr val="accent1"/>
+          </a:fillRef>
+          <a:effectRef idx="0">
+            <a:schemeClr val="accent1"/>
+          </a:effectRef>
+          <a:fontRef idx="minor">
+            <a:schemeClr val="lt1"/>
+          </a:fontRef>
+        </p:style>
+        <p:txBody>
+          <a:bodyPr rtlCol="0" anchor="ctr"/>
+          <a:lstStyle/>
+          <a:p>
+            <a:pPr algn="ctr"/>
+            <a:r>
+              <a:rPr lang="ko-KR" altLang="en-US" sz="1200" dirty="0"/>
+              <a:t>유지확인자</a:t>
+            </a:r>
+          </a:p>
+        </p:txBody>
+      </p:sp>
+      <p:sp>
+        <p:nvSpPr>
+          <p:cNvPr id="9" name="사각형: 둥근 모서리 8">
+            <a:extLst>
+              <a:ext uri="{FF2B5EF4-FFF2-40B4-BE49-F238E27FC236}">
+                <a16:creationId xmlns:a16="http://schemas.microsoft.com/office/drawing/2014/main" id="{0210BC02-8658-4B5F-AD89-48039BF70D0A}"/>
+              </a:ext>
+            </a:extLst>
+          </p:cNvPr>
+          <p:cNvSpPr/>
+          <p:nvPr/>
+        </p:nvSpPr>
+        <p:spPr>
+          <a:xfrm>
+            <a:off x="2498669" y="3568345"/>
+            <a:ext cx="604215" cy="231919"/>
+          </a:xfrm>
+          <a:prstGeom prst="roundRect">
+            <a:avLst/>
+          </a:prstGeom>
+        </p:spPr>
+        <p:style>
+          <a:lnRef idx="2">
+            <a:schemeClr val="accent3">
+              <a:shade val="50000"/>
+            </a:schemeClr>
+          </a:lnRef>
+          <a:fillRef idx="1">
+            <a:schemeClr val="accent3"/>
+          </a:fillRef>
+          <a:effectRef idx="0">
+            <a:schemeClr val="accent3"/>
+          </a:effectRef>
+          <a:fontRef idx="minor">
+            <a:schemeClr val="lt1"/>
+          </a:fontRef>
+        </p:style>
+        <p:txBody>
+          <a:bodyPr rtlCol="0" anchor="ctr"/>
+          <a:lstStyle/>
+          <a:p>
+            <a:pPr algn="ctr"/>
+            <a:r>
+              <a:rPr lang="ko-KR" altLang="en-US" sz="1000" dirty="0"/>
+              <a:t>리스트</a:t>
+            </a:r>
+          </a:p>
+        </p:txBody>
+      </p:sp>
+      <p:sp>
+        <p:nvSpPr>
+          <p:cNvPr id="65" name="사각형: 둥근 모서리 64">
+            <a:extLst>
+              <a:ext uri="{FF2B5EF4-FFF2-40B4-BE49-F238E27FC236}">
+                <a16:creationId xmlns:a16="http://schemas.microsoft.com/office/drawing/2014/main" id="{7062F5E4-6E1D-44C7-A7BE-458EF00F0D94}"/>
+              </a:ext>
+            </a:extLst>
+          </p:cNvPr>
+          <p:cNvSpPr/>
+          <p:nvPr/>
+        </p:nvSpPr>
+        <p:spPr>
+          <a:xfrm>
+            <a:off x="10834397" y="2388901"/>
+            <a:ext cx="1212116" cy="386398"/>
+          </a:xfrm>
+          <a:prstGeom prst="roundRect">
+            <a:avLst/>
+          </a:prstGeom>
+        </p:spPr>
+        <p:style>
+          <a:lnRef idx="2">
+            <a:schemeClr val="accent1">
+              <a:shade val="50000"/>
+            </a:schemeClr>
+          </a:lnRef>
+          <a:fillRef idx="1">
+            <a:schemeClr val="accent1"/>
+          </a:fillRef>
+          <a:effectRef idx="0">
+            <a:schemeClr val="accent1"/>
+          </a:effectRef>
+          <a:fontRef idx="minor">
+            <a:schemeClr val="lt1"/>
+          </a:fontRef>
+        </p:style>
+        <p:txBody>
+          <a:bodyPr rtlCol="0" anchor="ctr"/>
+          <a:lstStyle/>
+          <a:p>
+            <a:pPr algn="ctr"/>
+            <a:r>
+              <a:rPr lang="ko-KR" altLang="en-US" sz="1200" dirty="0" err="1"/>
+              <a:t>발송자</a:t>
+            </a:r>
+            <a:endParaRPr lang="ko-KR" altLang="en-US" sz="1200" dirty="0"/>
+          </a:p>
+        </p:txBody>
+      </p:sp>
+      <p:sp>
+        <p:nvSpPr>
+          <p:cNvPr id="66" name="TextBox 65">
+            <a:extLst>
+              <a:ext uri="{FF2B5EF4-FFF2-40B4-BE49-F238E27FC236}">
+                <a16:creationId xmlns:a16="http://schemas.microsoft.com/office/drawing/2014/main" id="{89F5427C-BAF8-40DF-88B4-AB81FAFEF29C}"/>
+              </a:ext>
+            </a:extLst>
+          </p:cNvPr>
+          <p:cNvSpPr txBox="1"/>
+          <p:nvPr/>
+        </p:nvSpPr>
+        <p:spPr>
+          <a:xfrm>
+            <a:off x="11070130" y="3515812"/>
+            <a:ext cx="508473" cy="276999"/>
+          </a:xfrm>
+          <a:prstGeom prst="rect">
+            <a:avLst/>
+          </a:prstGeom>
+          <a:noFill/>
+        </p:spPr>
+        <p:txBody>
+          <a:bodyPr wrap="square" rtlCol="0">
+            <a:spAutoFit/>
+          </a:bodyPr>
+          <a:lstStyle/>
+          <a:p>
+            <a:r>
+              <a:rPr lang="ko-KR" altLang="en-US" sz="1200" dirty="0"/>
+              <a:t>▲</a:t>
+            </a:r>
+          </a:p>
+        </p:txBody>
+      </p:sp>
+      <p:sp>
+        <p:nvSpPr>
+          <p:cNvPr id="68" name="TextBox 67">
+            <a:extLst>
+              <a:ext uri="{FF2B5EF4-FFF2-40B4-BE49-F238E27FC236}">
+                <a16:creationId xmlns:a16="http://schemas.microsoft.com/office/drawing/2014/main" id="{117A2445-4279-45D0-BA7B-022A5B7308A3}"/>
+              </a:ext>
+            </a:extLst>
+          </p:cNvPr>
+          <p:cNvSpPr txBox="1"/>
+          <p:nvPr/>
+        </p:nvSpPr>
+        <p:spPr>
+          <a:xfrm>
+            <a:off x="11121887" y="2764488"/>
+            <a:ext cx="508473" cy="276999"/>
+          </a:xfrm>
+          <a:prstGeom prst="rect">
+            <a:avLst/>
+          </a:prstGeom>
+          <a:noFill/>
+        </p:spPr>
+        <p:txBody>
+          <a:bodyPr wrap="square" rtlCol="0">
+            <a:spAutoFit/>
+          </a:bodyPr>
+          <a:lstStyle/>
+          <a:p>
+            <a:r>
+              <a:rPr lang="ko-KR" altLang="en-US" sz="1200" dirty="0"/>
+              <a:t>▲</a:t>
+            </a:r>
+          </a:p>
+        </p:txBody>
+      </p:sp>
+      <p:sp>
+        <p:nvSpPr>
+          <p:cNvPr id="69" name="사각형: 둥근 모서리 68">
+            <a:extLst>
+              <a:ext uri="{FF2B5EF4-FFF2-40B4-BE49-F238E27FC236}">
+                <a16:creationId xmlns:a16="http://schemas.microsoft.com/office/drawing/2014/main" id="{9B8B6975-6CBE-4C47-88DC-600B4EEE5378}"/>
+              </a:ext>
+            </a:extLst>
+          </p:cNvPr>
+          <p:cNvSpPr/>
+          <p:nvPr/>
+        </p:nvSpPr>
+        <p:spPr>
+          <a:xfrm>
+            <a:off x="9355692" y="3795832"/>
+            <a:ext cx="1212116" cy="386397"/>
+          </a:xfrm>
+          <a:prstGeom prst="roundRect">
+            <a:avLst/>
+          </a:prstGeom>
+        </p:spPr>
+        <p:style>
+          <a:lnRef idx="2">
+            <a:schemeClr val="accent1">
+              <a:shade val="50000"/>
+            </a:schemeClr>
+          </a:lnRef>
+          <a:fillRef idx="1">
+            <a:schemeClr val="accent1"/>
+          </a:fillRef>
+          <a:effectRef idx="0">
+            <a:schemeClr val="accent1"/>
+          </a:effectRef>
+          <a:fontRef idx="minor">
+            <a:schemeClr val="lt1"/>
+          </a:fontRef>
+        </p:style>
+        <p:txBody>
+          <a:bodyPr rtlCol="0" anchor="ctr"/>
+          <a:lstStyle/>
+          <a:p>
+            <a:pPr algn="ctr"/>
+            <a:r>
+              <a:rPr lang="ko-KR" altLang="en-US" sz="1200"/>
+              <a:t>저장자</a:t>
+            </a:r>
+            <a:endParaRPr lang="ko-KR" altLang="en-US" sz="1200" dirty="0"/>
+          </a:p>
+        </p:txBody>
+      </p:sp>
+      <p:sp>
+        <p:nvSpPr>
+          <p:cNvPr id="70" name="사각형: 둥근 모서리 69">
+            <a:extLst>
+              <a:ext uri="{FF2B5EF4-FFF2-40B4-BE49-F238E27FC236}">
+                <a16:creationId xmlns:a16="http://schemas.microsoft.com/office/drawing/2014/main" id="{3C2BEF54-4434-4EB6-93E6-7EBE01037A91}"/>
+              </a:ext>
+            </a:extLst>
+          </p:cNvPr>
+          <p:cNvSpPr/>
+          <p:nvPr/>
+        </p:nvSpPr>
+        <p:spPr>
+          <a:xfrm>
+            <a:off x="9326989" y="2728774"/>
+            <a:ext cx="1266629" cy="790606"/>
           </a:xfrm>
           <a:prstGeom prst="roundRect">
             <a:avLst/>
@@ -3709,8 +4653,8 @@
           <a:p>
             <a:pPr algn="ctr"/>
             <a:r>
-              <a:rPr lang="en-US" altLang="ko-KR" sz="1200" dirty="0"/>
-              <a:t>row</a:t>
+              <a:rPr lang="ko-KR" altLang="en-US" sz="1200" dirty="0" err="1"/>
+              <a:t>저장자</a:t>
             </a:r>
             <a:endParaRPr lang="ko-KR" altLang="en-US" sz="1200" dirty="0"/>
           </a:p>
@@ -3718,10 +4662,80 @@
       </p:sp>
       <p:sp>
         <p:nvSpPr>
-          <p:cNvPr id="21" name="사각형: 둥근 모서리 20">
-            <a:extLst>
-              <a:ext uri="{FF2B5EF4-FFF2-40B4-BE49-F238E27FC236}">
-                <a16:creationId xmlns:a16="http://schemas.microsoft.com/office/drawing/2014/main" id="{9B5DCC2B-AEAC-4370-84EA-5EAFB6404F86}"/>
+          <p:cNvPr id="71" name="TextBox 70">
+            <a:extLst>
+              <a:ext uri="{FF2B5EF4-FFF2-40B4-BE49-F238E27FC236}">
+                <a16:creationId xmlns:a16="http://schemas.microsoft.com/office/drawing/2014/main" id="{219B072A-FE80-46E1-8090-E736112C9D4C}"/>
+              </a:ext>
+            </a:extLst>
+          </p:cNvPr>
+          <p:cNvSpPr txBox="1"/>
+          <p:nvPr/>
+        </p:nvSpPr>
+        <p:spPr>
+          <a:xfrm>
+            <a:off x="9601239" y="3515812"/>
+            <a:ext cx="508473" cy="276999"/>
+          </a:xfrm>
+          <a:prstGeom prst="rect">
+            <a:avLst/>
+          </a:prstGeom>
+          <a:noFill/>
+        </p:spPr>
+        <p:txBody>
+          <a:bodyPr wrap="square" rtlCol="0">
+            <a:spAutoFit/>
+          </a:bodyPr>
+          <a:lstStyle/>
+          <a:p>
+            <a:r>
+              <a:rPr lang="ko-KR" altLang="en-US" sz="1200" dirty="0"/>
+              <a:t>▲</a:t>
+            </a:r>
+          </a:p>
+        </p:txBody>
+      </p:sp>
+      <p:sp>
+        <p:nvSpPr>
+          <p:cNvPr id="72" name="TextBox 71">
+            <a:extLst>
+              <a:ext uri="{FF2B5EF4-FFF2-40B4-BE49-F238E27FC236}">
+                <a16:creationId xmlns:a16="http://schemas.microsoft.com/office/drawing/2014/main" id="{80C408D1-5D83-4B99-AC7E-575086429CEA}"/>
+              </a:ext>
+            </a:extLst>
+          </p:cNvPr>
+          <p:cNvSpPr txBox="1"/>
+          <p:nvPr/>
+        </p:nvSpPr>
+        <p:spPr>
+          <a:xfrm>
+            <a:off x="11109293" y="2088698"/>
+            <a:ext cx="508473" cy="276999"/>
+          </a:xfrm>
+          <a:prstGeom prst="rect">
+            <a:avLst/>
+          </a:prstGeom>
+          <a:noFill/>
+        </p:spPr>
+        <p:txBody>
+          <a:bodyPr wrap="square" rtlCol="0">
+            <a:spAutoFit/>
+          </a:bodyPr>
+          <a:lstStyle/>
+          <a:p>
+            <a:r>
+              <a:rPr lang="ko-KR" altLang="en-US" sz="1200" dirty="0"/>
+              <a:t>▲</a:t>
+            </a:r>
+          </a:p>
+        </p:txBody>
+      </p:sp>
+      <p:sp>
+        <p:nvSpPr>
+          <p:cNvPr id="73" name="사각형: 둥근 모서리 72">
+            <a:extLst>
+              <a:ext uri="{FF2B5EF4-FFF2-40B4-BE49-F238E27FC236}">
+                <a16:creationId xmlns:a16="http://schemas.microsoft.com/office/drawing/2014/main" id="{80D63F37-869D-4374-9A43-848C45965D1D}"/>
               </a:ext>
             </a:extLst>
           </p:cNvPr>
@@ -3730,8 +4744,8 @@
         </p:nvSpPr>
         <p:spPr>
           <a:xfrm>
-            <a:off x="2187741" y="2970601"/>
-            <a:ext cx="1211311" cy="386397"/>
+            <a:off x="1800720" y="2951285"/>
+            <a:ext cx="812316" cy="386397"/>
           </a:xfrm>
           <a:prstGeom prst="roundRect">
             <a:avLst/>
@@ -3760,232 +4774,17 @@
             <a:pPr algn="ctr"/>
             <a:r>
               <a:rPr lang="ko-KR" altLang="en-US" sz="1200" dirty="0"/>
-              <a:t>세부모음자</a:t>
-            </a:r>
-          </a:p>
-        </p:txBody>
-      </p:sp>
-      <p:sp>
-        <p:nvSpPr>
-          <p:cNvPr id="25" name="사각형: 둥근 모서리 24">
-            <a:extLst>
-              <a:ext uri="{FF2B5EF4-FFF2-40B4-BE49-F238E27FC236}">
-                <a16:creationId xmlns:a16="http://schemas.microsoft.com/office/drawing/2014/main" id="{E49E9796-8036-4875-BDF4-3330063569FB}"/>
-              </a:ext>
-            </a:extLst>
-          </p:cNvPr>
-          <p:cNvSpPr/>
-          <p:nvPr/>
-        </p:nvSpPr>
-        <p:spPr>
-          <a:xfrm>
-            <a:off x="183072" y="2907313"/>
-            <a:ext cx="1212116" cy="471784"/>
-          </a:xfrm>
-          <a:prstGeom prst="roundRect">
-            <a:avLst/>
-          </a:prstGeom>
-        </p:spPr>
-        <p:style>
-          <a:lnRef idx="2">
-            <a:schemeClr val="accent2">
-              <a:shade val="50000"/>
-            </a:schemeClr>
-          </a:lnRef>
-          <a:fillRef idx="1">
-            <a:schemeClr val="accent2"/>
-          </a:fillRef>
-          <a:effectRef idx="0">
-            <a:schemeClr val="accent2"/>
-          </a:effectRef>
-          <a:fontRef idx="minor">
-            <a:schemeClr val="lt1"/>
-          </a:fontRef>
-        </p:style>
-        <p:txBody>
-          <a:bodyPr rtlCol="0" anchor="ctr"/>
-          <a:lstStyle/>
-          <a:p>
-            <a:pPr algn="ctr"/>
-            <a:r>
-              <a:rPr lang="en-US" altLang="ko-KR" sz="1200" dirty="0"/>
-              <a:t>row</a:t>
-            </a:r>
-            <a:endParaRPr lang="ko-KR" altLang="en-US" sz="1200" dirty="0"/>
-          </a:p>
-        </p:txBody>
-      </p:sp>
-      <p:sp>
-        <p:nvSpPr>
-          <p:cNvPr id="33" name="사각형: 둥근 모서리 32">
-            <a:extLst>
-              <a:ext uri="{FF2B5EF4-FFF2-40B4-BE49-F238E27FC236}">
-                <a16:creationId xmlns:a16="http://schemas.microsoft.com/office/drawing/2014/main" id="{6139EA09-0BBE-45EE-8BE2-BF4A8F4F9364}"/>
-              </a:ext>
-            </a:extLst>
-          </p:cNvPr>
-          <p:cNvSpPr/>
-          <p:nvPr/>
-        </p:nvSpPr>
-        <p:spPr>
-          <a:xfrm>
-            <a:off x="6803385" y="2919549"/>
-            <a:ext cx="1332623" cy="386397"/>
-          </a:xfrm>
-          <a:prstGeom prst="roundRect">
-            <a:avLst/>
-          </a:prstGeom>
-        </p:spPr>
-        <p:style>
-          <a:lnRef idx="2">
-            <a:schemeClr val="accent1">
-              <a:shade val="50000"/>
-            </a:schemeClr>
-          </a:lnRef>
-          <a:fillRef idx="1">
-            <a:schemeClr val="accent1"/>
-          </a:fillRef>
-          <a:effectRef idx="0">
-            <a:schemeClr val="accent1"/>
-          </a:effectRef>
-          <a:fontRef idx="minor">
-            <a:schemeClr val="lt1"/>
-          </a:fontRef>
-        </p:style>
-        <p:txBody>
-          <a:bodyPr rtlCol="0" anchor="ctr"/>
-          <a:lstStyle/>
-          <a:p>
-            <a:pPr algn="ctr"/>
-            <a:r>
-              <a:rPr lang="ko-KR" altLang="en-US" sz="1200" dirty="0"/>
-              <a:t>삭제구분자</a:t>
-            </a:r>
-          </a:p>
-        </p:txBody>
-      </p:sp>
-      <p:sp>
-        <p:nvSpPr>
-          <p:cNvPr id="34" name="사각형: 둥근 모서리 33">
-            <a:extLst>
-              <a:ext uri="{FF2B5EF4-FFF2-40B4-BE49-F238E27FC236}">
-                <a16:creationId xmlns:a16="http://schemas.microsoft.com/office/drawing/2014/main" id="{CBB579C1-090D-470B-B6BF-61EAD48D9D44}"/>
-              </a:ext>
-            </a:extLst>
-          </p:cNvPr>
-          <p:cNvSpPr/>
-          <p:nvPr/>
-        </p:nvSpPr>
-        <p:spPr>
-          <a:xfrm>
-            <a:off x="3554046" y="3795832"/>
-            <a:ext cx="6211242" cy="391838"/>
-          </a:xfrm>
-          <a:prstGeom prst="roundRect">
-            <a:avLst/>
-          </a:prstGeom>
-        </p:spPr>
-        <p:style>
-          <a:lnRef idx="2">
-            <a:schemeClr val="accent1">
-              <a:shade val="50000"/>
-            </a:schemeClr>
-          </a:lnRef>
-          <a:fillRef idx="1">
-            <a:schemeClr val="accent1"/>
-          </a:fillRef>
-          <a:effectRef idx="0">
-            <a:schemeClr val="accent1"/>
-          </a:effectRef>
-          <a:fontRef idx="minor">
-            <a:schemeClr val="lt1"/>
-          </a:fontRef>
-        </p:style>
-        <p:txBody>
-          <a:bodyPr rtlCol="0" anchor="ctr"/>
-          <a:lstStyle/>
-          <a:p>
-            <a:pPr algn="ctr"/>
-            <a:r>
-              <a:rPr lang="ko-KR" altLang="en-US" sz="1200" dirty="0" err="1"/>
-              <a:t>구분자</a:t>
-            </a:r>
-            <a:endParaRPr lang="ko-KR" altLang="en-US" sz="1200" dirty="0"/>
-          </a:p>
-        </p:txBody>
-      </p:sp>
-      <p:sp>
-        <p:nvSpPr>
-          <p:cNvPr id="38" name="사각형: 둥근 모서리 37">
-            <a:extLst>
-              <a:ext uri="{FF2B5EF4-FFF2-40B4-BE49-F238E27FC236}">
-                <a16:creationId xmlns:a16="http://schemas.microsoft.com/office/drawing/2014/main" id="{8627FB6D-6E44-479C-9AE3-DE617A1C1991}"/>
-              </a:ext>
-            </a:extLst>
-          </p:cNvPr>
-          <p:cNvSpPr/>
-          <p:nvPr/>
-        </p:nvSpPr>
-        <p:spPr>
-          <a:xfrm>
-            <a:off x="2220311" y="4609888"/>
-            <a:ext cx="7544976" cy="613475"/>
-          </a:xfrm>
-          <a:prstGeom prst="roundRect">
-            <a:avLst/>
-          </a:prstGeom>
-        </p:spPr>
-        <p:style>
-          <a:lnRef idx="2">
-            <a:schemeClr val="accent1">
-              <a:shade val="50000"/>
-            </a:schemeClr>
-          </a:lnRef>
-          <a:fillRef idx="1">
-            <a:schemeClr val="accent1"/>
-          </a:fillRef>
-          <a:effectRef idx="0">
-            <a:schemeClr val="accent1"/>
-          </a:effectRef>
-          <a:fontRef idx="minor">
-            <a:schemeClr val="lt1"/>
-          </a:fontRef>
-        </p:style>
-        <p:txBody>
-          <a:bodyPr rtlCol="0" anchor="ctr"/>
-          <a:lstStyle/>
-          <a:p>
-            <a:pPr algn="ctr"/>
-            <a:r>
-              <a:rPr lang="ko-KR" altLang="en-US" sz="1200" dirty="0"/>
-              <a:t>흐름관리자</a:t>
-            </a:r>
-            <a:endParaRPr lang="en-US" altLang="ko-KR" sz="1200" dirty="0"/>
-          </a:p>
-          <a:p>
-            <a:pPr algn="ctr"/>
-            <a:r>
-              <a:rPr lang="en-US" altLang="ko-KR" sz="1200" dirty="0"/>
-              <a:t>(</a:t>
-            </a:r>
-            <a:r>
-              <a:rPr lang="ko-KR" altLang="en-US" sz="1200" dirty="0"/>
-              <a:t>서비스</a:t>
-            </a:r>
-            <a:r>
-              <a:rPr lang="en-US" altLang="ko-KR" sz="1200" dirty="0"/>
-              <a:t>)</a:t>
-            </a:r>
-            <a:endParaRPr lang="ko-KR" altLang="en-US" sz="1200" dirty="0"/>
-          </a:p>
-        </p:txBody>
-      </p:sp>
-      <p:sp>
-        <p:nvSpPr>
-          <p:cNvPr id="39" name="TextBox 38">
-            <a:extLst>
-              <a:ext uri="{FF2B5EF4-FFF2-40B4-BE49-F238E27FC236}">
-                <a16:creationId xmlns:a16="http://schemas.microsoft.com/office/drawing/2014/main" id="{9E775F7F-2A71-4A4F-B06E-C15DC8E73D30}"/>
+              <a:t>간이모음자</a:t>
+            </a:r>
+          </a:p>
+        </p:txBody>
+      </p:sp>
+      <p:sp>
+        <p:nvSpPr>
+          <p:cNvPr id="74" name="TextBox 73">
+            <a:extLst>
+              <a:ext uri="{FF2B5EF4-FFF2-40B4-BE49-F238E27FC236}">
+                <a16:creationId xmlns:a16="http://schemas.microsoft.com/office/drawing/2014/main" id="{7BF285E0-0BF3-4503-BE8A-BF3B277719FE}"/>
               </a:ext>
             </a:extLst>
           </p:cNvPr>
@@ -3994,8 +4793,8 @@
         </p:nvSpPr>
         <p:spPr>
           <a:xfrm>
-            <a:off x="1671020" y="4740491"/>
-            <a:ext cx="423514" cy="276999"/>
+            <a:off x="2141947" y="3426407"/>
+            <a:ext cx="508473" cy="276999"/>
           </a:xfrm>
           <a:prstGeom prst="rect">
             <a:avLst/>
@@ -4009,22 +4808,18 @@
           <a:lstStyle/>
           <a:p>
             <a:r>
-              <a:rPr lang="en-US" altLang="ko-KR" sz="1200" dirty="0"/>
-              <a:t>1</a:t>
-            </a:r>
-            <a:r>
               <a:rPr lang="ko-KR" altLang="en-US" sz="1200" dirty="0"/>
-              <a:t>▶</a:t>
-            </a:r>
-          </a:p>
-        </p:txBody>
-      </p:sp>
-      <p:sp>
-        <p:nvSpPr>
-          <p:cNvPr id="40" name="TextBox 39">
-            <a:extLst>
-              <a:ext uri="{FF2B5EF4-FFF2-40B4-BE49-F238E27FC236}">
-                <a16:creationId xmlns:a16="http://schemas.microsoft.com/office/drawing/2014/main" id="{5C7EF31A-4837-440A-8C5B-2DB6EBCB8DE2}"/>
+              <a:t>▲</a:t>
+            </a:r>
+          </a:p>
+        </p:txBody>
+      </p:sp>
+      <p:sp>
+        <p:nvSpPr>
+          <p:cNvPr id="76" name="TextBox 75">
+            <a:extLst>
+              <a:ext uri="{FF2B5EF4-FFF2-40B4-BE49-F238E27FC236}">
+                <a16:creationId xmlns:a16="http://schemas.microsoft.com/office/drawing/2014/main" id="{0930F702-1D23-4523-864D-263E743314CF}"/>
               </a:ext>
             </a:extLst>
           </p:cNvPr>
@@ -4033,8 +4828,8 @@
         </p:nvSpPr>
         <p:spPr>
           <a:xfrm>
-            <a:off x="1645605" y="3784657"/>
-            <a:ext cx="423514" cy="276999"/>
+            <a:off x="2041924" y="2650207"/>
+            <a:ext cx="508473" cy="276999"/>
           </a:xfrm>
           <a:prstGeom prst="rect">
             <a:avLst/>
@@ -4049,22 +4844,17 @@
           <a:p>
             <a:r>
               <a:rPr lang="ko-KR" altLang="en-US" sz="1200" dirty="0"/>
-              <a:t>◀</a:t>
-            </a:r>
-            <a:r>
-              <a:rPr lang="en-US" altLang="ko-KR" sz="1200" dirty="0"/>
-              <a:t>3</a:t>
-            </a:r>
-            <a:endParaRPr lang="ko-KR" altLang="en-US" sz="1200" dirty="0"/>
-          </a:p>
-        </p:txBody>
-      </p:sp>
-      <p:sp>
-        <p:nvSpPr>
-          <p:cNvPr id="41" name="TextBox 40">
-            <a:extLst>
-              <a:ext uri="{FF2B5EF4-FFF2-40B4-BE49-F238E27FC236}">
-                <a16:creationId xmlns:a16="http://schemas.microsoft.com/office/drawing/2014/main" id="{5013D4A9-3D6C-45B0-BB1D-5886CC4A54D2}"/>
+              <a:t>▲</a:t>
+            </a:r>
+          </a:p>
+        </p:txBody>
+      </p:sp>
+      <p:sp>
+        <p:nvSpPr>
+          <p:cNvPr id="77" name="TextBox 76">
+            <a:extLst>
+              <a:ext uri="{FF2B5EF4-FFF2-40B4-BE49-F238E27FC236}">
+                <a16:creationId xmlns:a16="http://schemas.microsoft.com/office/drawing/2014/main" id="{69FBAC16-2C01-4E6D-81B3-783E8D0D735C}"/>
               </a:ext>
             </a:extLst>
           </p:cNvPr>
@@ -4073,7 +4863,7 @@
         </p:nvSpPr>
         <p:spPr>
           <a:xfrm>
-            <a:off x="9934974" y="4708724"/>
+            <a:off x="1289605" y="5507081"/>
             <a:ext cx="508473" cy="276999"/>
           </a:xfrm>
           <a:prstGeom prst="rect">
@@ -4088,71 +4878,18 @@
           <a:lstStyle/>
           <a:p>
             <a:r>
-              <a:rPr lang="en-US" altLang="ko-KR" sz="1200" dirty="0"/>
-              <a:t>12</a:t>
-            </a:r>
-            <a:r>
               <a:rPr lang="ko-KR" altLang="en-US" sz="1200" dirty="0"/>
-              <a:t>▶</a:t>
-            </a:r>
-          </a:p>
-        </p:txBody>
-      </p:sp>
-      <p:sp>
-        <p:nvSpPr>
-          <p:cNvPr id="42" name="사각형: 둥근 모서리 41">
-            <a:extLst>
-              <a:ext uri="{FF2B5EF4-FFF2-40B4-BE49-F238E27FC236}">
-                <a16:creationId xmlns:a16="http://schemas.microsoft.com/office/drawing/2014/main" id="{2C0BDD42-E14A-4148-B386-0F043B35A11D}"/>
-              </a:ext>
-            </a:extLst>
-          </p:cNvPr>
-          <p:cNvSpPr/>
-          <p:nvPr/>
-        </p:nvSpPr>
-        <p:spPr>
-          <a:xfrm>
-            <a:off x="160438" y="4714579"/>
-            <a:ext cx="1411164" cy="386397"/>
-          </a:xfrm>
-          <a:prstGeom prst="roundRect">
-            <a:avLst/>
-          </a:prstGeom>
-        </p:spPr>
-        <p:style>
-          <a:lnRef idx="2">
-            <a:schemeClr val="accent1">
-              <a:shade val="50000"/>
-            </a:schemeClr>
-          </a:lnRef>
-          <a:fillRef idx="1">
-            <a:schemeClr val="accent1"/>
-          </a:fillRef>
-          <a:effectRef idx="0">
-            <a:schemeClr val="accent1"/>
-          </a:effectRef>
-          <a:fontRef idx="minor">
-            <a:schemeClr val="lt1"/>
-          </a:fontRef>
-        </p:style>
-        <p:txBody>
-          <a:bodyPr rtlCol="0" anchor="ctr"/>
-          <a:lstStyle/>
-          <a:p>
-            <a:pPr algn="ctr"/>
-            <a:r>
-              <a:rPr lang="ko-KR" altLang="en-US" sz="1200" dirty="0"/>
-              <a:t>스케줄러</a:t>
-            </a:r>
-          </a:p>
-        </p:txBody>
-      </p:sp>
-      <p:sp>
-        <p:nvSpPr>
-          <p:cNvPr id="43" name="TextBox 42">
-            <a:extLst>
-              <a:ext uri="{FF2B5EF4-FFF2-40B4-BE49-F238E27FC236}">
-                <a16:creationId xmlns:a16="http://schemas.microsoft.com/office/drawing/2014/main" id="{DAFBB9E6-E8A4-4B9F-B1DB-A992F912C724}"/>
+              <a:t>▲</a:t>
+            </a:r>
+          </a:p>
+        </p:txBody>
+      </p:sp>
+      <p:sp>
+        <p:nvSpPr>
+          <p:cNvPr id="85" name="TextBox 84">
+            <a:extLst>
+              <a:ext uri="{FF2B5EF4-FFF2-40B4-BE49-F238E27FC236}">
+                <a16:creationId xmlns:a16="http://schemas.microsoft.com/office/drawing/2014/main" id="{F4B7DC88-35B0-46D7-AD0D-E5ED79220CA3}"/>
               </a:ext>
             </a:extLst>
           </p:cNvPr>
@@ -4161,8 +4898,8 @@
         </p:nvSpPr>
         <p:spPr>
           <a:xfrm>
-            <a:off x="2303284" y="4256841"/>
-            <a:ext cx="423514" cy="276999"/>
+            <a:off x="2104563" y="4256841"/>
+            <a:ext cx="508473" cy="276999"/>
           </a:xfrm>
           <a:prstGeom prst="rect">
             <a:avLst/>
@@ -4179,20 +4916,15 @@
               <a:rPr lang="ko-KR" altLang="en-US" sz="1200" dirty="0"/>
               <a:t>▲</a:t>
             </a:r>
-            <a:r>
-              <a:rPr lang="en-US" altLang="ko-KR" sz="1200" dirty="0"/>
-              <a:t>2</a:t>
-            </a:r>
-            <a:endParaRPr lang="ko-KR" altLang="en-US" sz="1200" dirty="0"/>
-          </a:p>
-        </p:txBody>
-      </p:sp>
-      <p:sp>
-        <p:nvSpPr>
-          <p:cNvPr id="45" name="TextBox 44">
-            <a:extLst>
-              <a:ext uri="{FF2B5EF4-FFF2-40B4-BE49-F238E27FC236}">
-                <a16:creationId xmlns:a16="http://schemas.microsoft.com/office/drawing/2014/main" id="{36A3BB59-6650-4F71-855F-A14BA62B0F3D}"/>
+          </a:p>
+        </p:txBody>
+      </p:sp>
+      <p:sp>
+        <p:nvSpPr>
+          <p:cNvPr id="86" name="TextBox 85">
+            <a:extLst>
+              <a:ext uri="{FF2B5EF4-FFF2-40B4-BE49-F238E27FC236}">
+                <a16:creationId xmlns:a16="http://schemas.microsoft.com/office/drawing/2014/main" id="{D7E680A3-1FF0-4E67-A6CC-8A6C6054475F}"/>
               </a:ext>
             </a:extLst>
           </p:cNvPr>
@@ -4201,8 +4933,8 @@
         </p:nvSpPr>
         <p:spPr>
           <a:xfrm>
-            <a:off x="2304300" y="3393119"/>
-            <a:ext cx="423514" cy="276999"/>
+            <a:off x="5650619" y="4270624"/>
+            <a:ext cx="508473" cy="276999"/>
           </a:xfrm>
           <a:prstGeom prst="rect">
             <a:avLst/>
@@ -4218,689 +4950,6 @@
             <a:r>
               <a:rPr lang="ko-KR" altLang="en-US" sz="1200" dirty="0"/>
               <a:t>▲</a:t>
-            </a:r>
-            <a:r>
-              <a:rPr lang="en-US" altLang="ko-KR" sz="1200" dirty="0"/>
-              <a:t>4</a:t>
-            </a:r>
-            <a:endParaRPr lang="ko-KR" altLang="en-US" sz="1200" dirty="0"/>
-          </a:p>
-        </p:txBody>
-      </p:sp>
-      <p:sp>
-        <p:nvSpPr>
-          <p:cNvPr id="46" name="TextBox 45">
-            <a:extLst>
-              <a:ext uri="{FF2B5EF4-FFF2-40B4-BE49-F238E27FC236}">
-                <a16:creationId xmlns:a16="http://schemas.microsoft.com/office/drawing/2014/main" id="{2A10D550-BB4A-47D2-A178-C569A2DEF908}"/>
-              </a:ext>
-            </a:extLst>
-          </p:cNvPr>
-          <p:cNvSpPr txBox="1"/>
-          <p:nvPr/>
-        </p:nvSpPr>
-        <p:spPr>
-          <a:xfrm>
-            <a:off x="3651984" y="3377313"/>
-            <a:ext cx="423514" cy="276999"/>
-          </a:xfrm>
-          <a:prstGeom prst="rect">
-            <a:avLst/>
-          </a:prstGeom>
-          <a:noFill/>
-        </p:spPr>
-        <p:txBody>
-          <a:bodyPr wrap="square" rtlCol="0">
-            <a:spAutoFit/>
-          </a:bodyPr>
-          <a:lstStyle/>
-          <a:p>
-            <a:r>
-              <a:rPr lang="ko-KR" altLang="en-US" sz="1200" dirty="0"/>
-              <a:t>▲</a:t>
-            </a:r>
-            <a:r>
-              <a:rPr lang="en-US" altLang="ko-KR" sz="1200" dirty="0"/>
-              <a:t>7</a:t>
-            </a:r>
-            <a:endParaRPr lang="ko-KR" altLang="en-US" sz="1200" dirty="0"/>
-          </a:p>
-        </p:txBody>
-      </p:sp>
-      <p:sp>
-        <p:nvSpPr>
-          <p:cNvPr id="47" name="사각형: 둥근 모서리 46">
-            <a:extLst>
-              <a:ext uri="{FF2B5EF4-FFF2-40B4-BE49-F238E27FC236}">
-                <a16:creationId xmlns:a16="http://schemas.microsoft.com/office/drawing/2014/main" id="{CA653316-6397-4400-B642-403D3EE44674}"/>
-              </a:ext>
-            </a:extLst>
-          </p:cNvPr>
-          <p:cNvSpPr/>
-          <p:nvPr/>
-        </p:nvSpPr>
-        <p:spPr>
-          <a:xfrm>
-            <a:off x="4314736" y="3423521"/>
-            <a:ext cx="725490" cy="255133"/>
-          </a:xfrm>
-          <a:prstGeom prst="roundRect">
-            <a:avLst/>
-          </a:prstGeom>
-        </p:spPr>
-        <p:style>
-          <a:lnRef idx="2">
-            <a:schemeClr val="accent3">
-              <a:shade val="50000"/>
-            </a:schemeClr>
-          </a:lnRef>
-          <a:fillRef idx="1">
-            <a:schemeClr val="accent3"/>
-          </a:fillRef>
-          <a:effectRef idx="0">
-            <a:schemeClr val="accent3"/>
-          </a:effectRef>
-          <a:fontRef idx="minor">
-            <a:schemeClr val="lt1"/>
-          </a:fontRef>
-        </p:style>
-        <p:txBody>
-          <a:bodyPr rtlCol="0" anchor="ctr"/>
-          <a:lstStyle/>
-          <a:p>
-            <a:pPr algn="ctr"/>
-            <a:r>
-              <a:rPr lang="ko-KR" altLang="en-US" sz="1000" dirty="0"/>
-              <a:t>리스트</a:t>
-            </a:r>
-          </a:p>
-        </p:txBody>
-      </p:sp>
-      <p:sp>
-        <p:nvSpPr>
-          <p:cNvPr id="48" name="사각형: 둥근 모서리 47">
-            <a:extLst>
-              <a:ext uri="{FF2B5EF4-FFF2-40B4-BE49-F238E27FC236}">
-                <a16:creationId xmlns:a16="http://schemas.microsoft.com/office/drawing/2014/main" id="{24908904-A1C0-4890-AAFF-85ED6C736298}"/>
-              </a:ext>
-            </a:extLst>
-          </p:cNvPr>
-          <p:cNvSpPr/>
-          <p:nvPr/>
-        </p:nvSpPr>
-        <p:spPr>
-          <a:xfrm>
-            <a:off x="4314736" y="2602395"/>
-            <a:ext cx="725490" cy="255133"/>
-          </a:xfrm>
-          <a:prstGeom prst="roundRect">
-            <a:avLst/>
-          </a:prstGeom>
-        </p:spPr>
-        <p:style>
-          <a:lnRef idx="2">
-            <a:schemeClr val="accent3">
-              <a:shade val="50000"/>
-            </a:schemeClr>
-          </a:lnRef>
-          <a:fillRef idx="1">
-            <a:schemeClr val="accent3"/>
-          </a:fillRef>
-          <a:effectRef idx="0">
-            <a:schemeClr val="accent3"/>
-          </a:effectRef>
-          <a:fontRef idx="minor">
-            <a:schemeClr val="lt1"/>
-          </a:fontRef>
-        </p:style>
-        <p:txBody>
-          <a:bodyPr rtlCol="0" anchor="ctr"/>
-          <a:lstStyle/>
-          <a:p>
-            <a:pPr algn="ctr"/>
-            <a:r>
-              <a:rPr lang="ko-KR" altLang="en-US" sz="1000" dirty="0"/>
-              <a:t>리스트</a:t>
-            </a:r>
-          </a:p>
-        </p:txBody>
-      </p:sp>
-      <p:sp>
-        <p:nvSpPr>
-          <p:cNvPr id="50" name="TextBox 49">
-            <a:extLst>
-              <a:ext uri="{FF2B5EF4-FFF2-40B4-BE49-F238E27FC236}">
-                <a16:creationId xmlns:a16="http://schemas.microsoft.com/office/drawing/2014/main" id="{CE861668-E0A3-4135-BFF0-EAC28C512813}"/>
-              </a:ext>
-            </a:extLst>
-          </p:cNvPr>
-          <p:cNvSpPr txBox="1"/>
-          <p:nvPr/>
-        </p:nvSpPr>
-        <p:spPr>
-          <a:xfrm>
-            <a:off x="1661304" y="2998528"/>
-            <a:ext cx="423514" cy="276999"/>
-          </a:xfrm>
-          <a:prstGeom prst="rect">
-            <a:avLst/>
-          </a:prstGeom>
-          <a:noFill/>
-        </p:spPr>
-        <p:txBody>
-          <a:bodyPr wrap="square" rtlCol="0">
-            <a:spAutoFit/>
-          </a:bodyPr>
-          <a:lstStyle/>
-          <a:p>
-            <a:r>
-              <a:rPr lang="ko-KR" altLang="en-US" sz="1200" dirty="0"/>
-              <a:t>◀</a:t>
-            </a:r>
-            <a:r>
-              <a:rPr lang="en-US" altLang="ko-KR" sz="1200" dirty="0"/>
-              <a:t>5</a:t>
-            </a:r>
-            <a:endParaRPr lang="ko-KR" altLang="en-US" sz="1200" dirty="0"/>
-          </a:p>
-        </p:txBody>
-      </p:sp>
-      <p:sp>
-        <p:nvSpPr>
-          <p:cNvPr id="51" name="TextBox 50">
-            <a:extLst>
-              <a:ext uri="{FF2B5EF4-FFF2-40B4-BE49-F238E27FC236}">
-                <a16:creationId xmlns:a16="http://schemas.microsoft.com/office/drawing/2014/main" id="{28D11020-9EFF-4311-802C-A05134F38A30}"/>
-              </a:ext>
-            </a:extLst>
-          </p:cNvPr>
-          <p:cNvSpPr txBox="1"/>
-          <p:nvPr/>
-        </p:nvSpPr>
-        <p:spPr>
-          <a:xfrm>
-            <a:off x="3611564" y="4188897"/>
-            <a:ext cx="423514" cy="276999"/>
-          </a:xfrm>
-          <a:prstGeom prst="rect">
-            <a:avLst/>
-          </a:prstGeom>
-          <a:noFill/>
-        </p:spPr>
-        <p:txBody>
-          <a:bodyPr wrap="square" rtlCol="0">
-            <a:spAutoFit/>
-          </a:bodyPr>
-          <a:lstStyle/>
-          <a:p>
-            <a:r>
-              <a:rPr lang="ko-KR" altLang="en-US" sz="1200" dirty="0"/>
-              <a:t>▲</a:t>
-            </a:r>
-            <a:r>
-              <a:rPr lang="en-US" altLang="ko-KR" sz="1200" dirty="0"/>
-              <a:t>6</a:t>
-            </a:r>
-            <a:endParaRPr lang="ko-KR" altLang="en-US" sz="1200" dirty="0"/>
-          </a:p>
-        </p:txBody>
-      </p:sp>
-      <p:sp>
-        <p:nvSpPr>
-          <p:cNvPr id="52" name="TextBox 51">
-            <a:extLst>
-              <a:ext uri="{FF2B5EF4-FFF2-40B4-BE49-F238E27FC236}">
-                <a16:creationId xmlns:a16="http://schemas.microsoft.com/office/drawing/2014/main" id="{26D546CD-A03E-4CB5-B7BB-48E430FE3D02}"/>
-              </a:ext>
-            </a:extLst>
-          </p:cNvPr>
-          <p:cNvSpPr txBox="1"/>
-          <p:nvPr/>
-        </p:nvSpPr>
-        <p:spPr>
-          <a:xfrm>
-            <a:off x="3636999" y="2564207"/>
-            <a:ext cx="423514" cy="276999"/>
-          </a:xfrm>
-          <a:prstGeom prst="rect">
-            <a:avLst/>
-          </a:prstGeom>
-          <a:noFill/>
-        </p:spPr>
-        <p:txBody>
-          <a:bodyPr wrap="square" rtlCol="0">
-            <a:spAutoFit/>
-          </a:bodyPr>
-          <a:lstStyle/>
-          <a:p>
-            <a:r>
-              <a:rPr lang="ko-KR" altLang="en-US" sz="1200" dirty="0"/>
-              <a:t>▲</a:t>
-            </a:r>
-            <a:r>
-              <a:rPr lang="en-US" altLang="ko-KR" sz="1200" dirty="0"/>
-              <a:t>8</a:t>
-            </a:r>
-            <a:endParaRPr lang="ko-KR" altLang="en-US" sz="1200" dirty="0"/>
-          </a:p>
-        </p:txBody>
-      </p:sp>
-      <p:sp>
-        <p:nvSpPr>
-          <p:cNvPr id="53" name="TextBox 52">
-            <a:extLst>
-              <a:ext uri="{FF2B5EF4-FFF2-40B4-BE49-F238E27FC236}">
-                <a16:creationId xmlns:a16="http://schemas.microsoft.com/office/drawing/2014/main" id="{3FFDC367-4F57-46A6-963B-D676FC21AFEF}"/>
-              </a:ext>
-            </a:extLst>
-          </p:cNvPr>
-          <p:cNvSpPr txBox="1"/>
-          <p:nvPr/>
-        </p:nvSpPr>
-        <p:spPr>
-          <a:xfrm>
-            <a:off x="6745430" y="2320327"/>
-            <a:ext cx="508473" cy="276999"/>
-          </a:xfrm>
-          <a:prstGeom prst="rect">
-            <a:avLst/>
-          </a:prstGeom>
-          <a:noFill/>
-        </p:spPr>
-        <p:txBody>
-          <a:bodyPr wrap="square" rtlCol="0">
-            <a:spAutoFit/>
-          </a:bodyPr>
-          <a:lstStyle/>
-          <a:p>
-            <a:r>
-              <a:rPr lang="ko-KR" altLang="en-US" sz="1200" dirty="0"/>
-              <a:t>▲</a:t>
-            </a:r>
-            <a:r>
-              <a:rPr lang="en-US" altLang="ko-KR" sz="1200" dirty="0"/>
-              <a:t>10</a:t>
-            </a:r>
-            <a:endParaRPr lang="ko-KR" altLang="en-US" sz="1200" dirty="0"/>
-          </a:p>
-        </p:txBody>
-      </p:sp>
-      <p:sp>
-        <p:nvSpPr>
-          <p:cNvPr id="54" name="사각형: 둥근 모서리 53">
-            <a:extLst>
-              <a:ext uri="{FF2B5EF4-FFF2-40B4-BE49-F238E27FC236}">
-                <a16:creationId xmlns:a16="http://schemas.microsoft.com/office/drawing/2014/main" id="{1D0C48CA-5C44-445C-87ED-ACF07C9D8BA8}"/>
-              </a:ext>
-            </a:extLst>
-          </p:cNvPr>
-          <p:cNvSpPr/>
-          <p:nvPr/>
-        </p:nvSpPr>
-        <p:spPr>
-          <a:xfrm>
-            <a:off x="8584741" y="2913277"/>
-            <a:ext cx="1180546" cy="386397"/>
-          </a:xfrm>
-          <a:prstGeom prst="roundRect">
-            <a:avLst/>
-          </a:prstGeom>
-        </p:spPr>
-        <p:style>
-          <a:lnRef idx="2">
-            <a:schemeClr val="accent1">
-              <a:shade val="50000"/>
-            </a:schemeClr>
-          </a:lnRef>
-          <a:fillRef idx="1">
-            <a:schemeClr val="accent1"/>
-          </a:fillRef>
-          <a:effectRef idx="0">
-            <a:schemeClr val="accent1"/>
-          </a:effectRef>
-          <a:fontRef idx="minor">
-            <a:schemeClr val="lt1"/>
-          </a:fontRef>
-        </p:style>
-        <p:txBody>
-          <a:bodyPr rtlCol="0" anchor="ctr"/>
-          <a:lstStyle/>
-          <a:p>
-            <a:pPr algn="ctr"/>
-            <a:r>
-              <a:rPr lang="ko-KR" altLang="en-US" sz="1200" dirty="0"/>
-              <a:t>흥미확인자</a:t>
-            </a:r>
-          </a:p>
-        </p:txBody>
-      </p:sp>
-      <p:sp>
-        <p:nvSpPr>
-          <p:cNvPr id="55" name="TextBox 54">
-            <a:extLst>
-              <a:ext uri="{FF2B5EF4-FFF2-40B4-BE49-F238E27FC236}">
-                <a16:creationId xmlns:a16="http://schemas.microsoft.com/office/drawing/2014/main" id="{E4A1AA50-0C82-47DF-8AA5-F2C410ECD6CC}"/>
-              </a:ext>
-            </a:extLst>
-          </p:cNvPr>
-          <p:cNvSpPr txBox="1"/>
-          <p:nvPr/>
-        </p:nvSpPr>
-        <p:spPr>
-          <a:xfrm>
-            <a:off x="8596836" y="3397180"/>
-            <a:ext cx="508473" cy="276999"/>
-          </a:xfrm>
-          <a:prstGeom prst="rect">
-            <a:avLst/>
-          </a:prstGeom>
-          <a:noFill/>
-        </p:spPr>
-        <p:txBody>
-          <a:bodyPr wrap="square" rtlCol="0">
-            <a:spAutoFit/>
-          </a:bodyPr>
-          <a:lstStyle/>
-          <a:p>
-            <a:r>
-              <a:rPr lang="ko-KR" altLang="en-US" sz="1200" dirty="0"/>
-              <a:t>▲</a:t>
-            </a:r>
-            <a:r>
-              <a:rPr lang="en-US" altLang="ko-KR" sz="1200" dirty="0"/>
-              <a:t>11</a:t>
-            </a:r>
-            <a:endParaRPr lang="ko-KR" altLang="en-US" sz="1200" dirty="0"/>
-          </a:p>
-        </p:txBody>
-      </p:sp>
-      <p:sp>
-        <p:nvSpPr>
-          <p:cNvPr id="56" name="사각형: 둥근 모서리 55">
-            <a:extLst>
-              <a:ext uri="{FF2B5EF4-FFF2-40B4-BE49-F238E27FC236}">
-                <a16:creationId xmlns:a16="http://schemas.microsoft.com/office/drawing/2014/main" id="{8D057E84-2D8A-4DBD-80AF-08E888E71F60}"/>
-              </a:ext>
-            </a:extLst>
-          </p:cNvPr>
-          <p:cNvSpPr/>
-          <p:nvPr/>
-        </p:nvSpPr>
-        <p:spPr>
-          <a:xfrm>
-            <a:off x="10960815" y="1832698"/>
-            <a:ext cx="975360" cy="833530"/>
-          </a:xfrm>
-          <a:prstGeom prst="roundRect">
-            <a:avLst/>
-          </a:prstGeom>
-        </p:spPr>
-        <p:style>
-          <a:lnRef idx="2">
-            <a:schemeClr val="accent2">
-              <a:shade val="50000"/>
-            </a:schemeClr>
-          </a:lnRef>
-          <a:fillRef idx="1">
-            <a:schemeClr val="accent2"/>
-          </a:fillRef>
-          <a:effectRef idx="0">
-            <a:schemeClr val="accent2"/>
-          </a:effectRef>
-          <a:fontRef idx="minor">
-            <a:schemeClr val="lt1"/>
-          </a:fontRef>
-        </p:style>
-        <p:txBody>
-          <a:bodyPr rtlCol="0" anchor="ctr"/>
-          <a:lstStyle/>
-          <a:p>
-            <a:pPr algn="ctr"/>
-            <a:r>
-              <a:rPr lang="en-US" altLang="ko-KR" sz="800" dirty="0"/>
-              <a:t>New</a:t>
-            </a:r>
-          </a:p>
-          <a:p>
-            <a:pPr algn="ctr"/>
-            <a:r>
-              <a:rPr lang="en-US" altLang="ko-KR" sz="800" dirty="0"/>
-              <a:t>stay</a:t>
-            </a:r>
-          </a:p>
-          <a:p>
-            <a:pPr algn="ctr"/>
-            <a:r>
-              <a:rPr lang="en-US" altLang="ko-KR" sz="800" dirty="0"/>
-              <a:t>removed</a:t>
-            </a:r>
-            <a:endParaRPr lang="ko-KR" altLang="en-US" sz="800" dirty="0"/>
-          </a:p>
-        </p:txBody>
-      </p:sp>
-      <p:sp>
-        <p:nvSpPr>
-          <p:cNvPr id="58" name="TextBox 57">
-            <a:extLst>
-              <a:ext uri="{FF2B5EF4-FFF2-40B4-BE49-F238E27FC236}">
-                <a16:creationId xmlns:a16="http://schemas.microsoft.com/office/drawing/2014/main" id="{FF0A1300-70EE-4F0A-AC45-7562F820BB14}"/>
-              </a:ext>
-            </a:extLst>
-          </p:cNvPr>
-          <p:cNvSpPr txBox="1"/>
-          <p:nvPr/>
-        </p:nvSpPr>
-        <p:spPr>
-          <a:xfrm>
-            <a:off x="11114108" y="4074397"/>
-            <a:ext cx="508473" cy="276999"/>
-          </a:xfrm>
-          <a:prstGeom prst="rect">
-            <a:avLst/>
-          </a:prstGeom>
-          <a:noFill/>
-        </p:spPr>
-        <p:txBody>
-          <a:bodyPr wrap="square" rtlCol="0">
-            <a:spAutoFit/>
-          </a:bodyPr>
-          <a:lstStyle/>
-          <a:p>
-            <a:r>
-              <a:rPr lang="ko-KR" altLang="en-US" sz="1200"/>
-              <a:t>▲</a:t>
-            </a:r>
-            <a:r>
-              <a:rPr lang="en-US" altLang="ko-KR" sz="1200" dirty="0"/>
-              <a:t>13</a:t>
-            </a:r>
-            <a:endParaRPr lang="ko-KR" altLang="en-US" sz="1200" dirty="0"/>
-          </a:p>
-        </p:txBody>
-      </p:sp>
-      <p:sp>
-        <p:nvSpPr>
-          <p:cNvPr id="59" name="사각형: 둥근 모서리 58">
-            <a:extLst>
-              <a:ext uri="{FF2B5EF4-FFF2-40B4-BE49-F238E27FC236}">
-                <a16:creationId xmlns:a16="http://schemas.microsoft.com/office/drawing/2014/main" id="{CC992A81-FBE7-4092-A8DD-D5ED0858B8BA}"/>
-              </a:ext>
-            </a:extLst>
-          </p:cNvPr>
-          <p:cNvSpPr/>
-          <p:nvPr/>
-        </p:nvSpPr>
-        <p:spPr>
-          <a:xfrm>
-            <a:off x="10760832" y="3287438"/>
-            <a:ext cx="1375323" cy="386397"/>
-          </a:xfrm>
-          <a:prstGeom prst="roundRect">
-            <a:avLst/>
-          </a:prstGeom>
-        </p:spPr>
-        <p:style>
-          <a:lnRef idx="2">
-            <a:schemeClr val="accent1">
-              <a:shade val="50000"/>
-            </a:schemeClr>
-          </a:lnRef>
-          <a:fillRef idx="1">
-            <a:schemeClr val="accent1"/>
-          </a:fillRef>
-          <a:effectRef idx="0">
-            <a:schemeClr val="accent1"/>
-          </a:effectRef>
-          <a:fontRef idx="minor">
-            <a:schemeClr val="lt1"/>
-          </a:fontRef>
-        </p:style>
-        <p:txBody>
-          <a:bodyPr rtlCol="0" anchor="ctr"/>
-          <a:lstStyle/>
-          <a:p>
-            <a:pPr algn="ctr"/>
-            <a:r>
-              <a:rPr lang="ko-KR" altLang="en-US" sz="1200" dirty="0"/>
-              <a:t>번역자</a:t>
-            </a:r>
-          </a:p>
-        </p:txBody>
-      </p:sp>
-      <p:sp>
-        <p:nvSpPr>
-          <p:cNvPr id="60" name="사각형: 둥근 모서리 59">
-            <a:extLst>
-              <a:ext uri="{FF2B5EF4-FFF2-40B4-BE49-F238E27FC236}">
-                <a16:creationId xmlns:a16="http://schemas.microsoft.com/office/drawing/2014/main" id="{60F09314-6424-447D-8C70-61C706182EC6}"/>
-              </a:ext>
-            </a:extLst>
-          </p:cNvPr>
-          <p:cNvSpPr/>
-          <p:nvPr/>
-        </p:nvSpPr>
-        <p:spPr>
-          <a:xfrm>
-            <a:off x="3518833" y="2905507"/>
-            <a:ext cx="1305473" cy="386397"/>
-          </a:xfrm>
-          <a:prstGeom prst="roundRect">
-            <a:avLst/>
-          </a:prstGeom>
-        </p:spPr>
-        <p:style>
-          <a:lnRef idx="2">
-            <a:schemeClr val="accent1">
-              <a:shade val="50000"/>
-            </a:schemeClr>
-          </a:lnRef>
-          <a:fillRef idx="1">
-            <a:schemeClr val="accent1"/>
-          </a:fillRef>
-          <a:effectRef idx="0">
-            <a:schemeClr val="accent1"/>
-          </a:effectRef>
-          <a:fontRef idx="minor">
-            <a:schemeClr val="lt1"/>
-          </a:fontRef>
-        </p:style>
-        <p:txBody>
-          <a:bodyPr rtlCol="0" anchor="ctr"/>
-          <a:lstStyle/>
-          <a:p>
-            <a:pPr algn="ctr"/>
-            <a:r>
-              <a:rPr lang="ko-KR" altLang="en-US" sz="1200" dirty="0"/>
-              <a:t>유지확인자</a:t>
-            </a:r>
-          </a:p>
-        </p:txBody>
-      </p:sp>
-      <p:sp>
-        <p:nvSpPr>
-          <p:cNvPr id="61" name="TextBox 60">
-            <a:extLst>
-              <a:ext uri="{FF2B5EF4-FFF2-40B4-BE49-F238E27FC236}">
-                <a16:creationId xmlns:a16="http://schemas.microsoft.com/office/drawing/2014/main" id="{F5CBDB1C-3B60-4463-85D9-3BA8FB3CCFC5}"/>
-              </a:ext>
-            </a:extLst>
-          </p:cNvPr>
-          <p:cNvSpPr txBox="1"/>
-          <p:nvPr/>
-        </p:nvSpPr>
-        <p:spPr>
-          <a:xfrm>
-            <a:off x="5331427" y="3401655"/>
-            <a:ext cx="423514" cy="276999"/>
-          </a:xfrm>
-          <a:prstGeom prst="rect">
-            <a:avLst/>
-          </a:prstGeom>
-          <a:noFill/>
-        </p:spPr>
-        <p:txBody>
-          <a:bodyPr wrap="square" rtlCol="0">
-            <a:spAutoFit/>
-          </a:bodyPr>
-          <a:lstStyle/>
-          <a:p>
-            <a:r>
-              <a:rPr lang="ko-KR" altLang="en-US" sz="1200" dirty="0"/>
-              <a:t>▲</a:t>
-            </a:r>
-            <a:r>
-              <a:rPr lang="en-US" altLang="ko-KR" sz="1200" dirty="0"/>
-              <a:t>9</a:t>
-            </a:r>
-            <a:endParaRPr lang="ko-KR" altLang="en-US" sz="1200" dirty="0"/>
-          </a:p>
-        </p:txBody>
-      </p:sp>
-      <p:sp>
-        <p:nvSpPr>
-          <p:cNvPr id="9" name="사각형: 둥근 모서리 8">
-            <a:extLst>
-              <a:ext uri="{FF2B5EF4-FFF2-40B4-BE49-F238E27FC236}">
-                <a16:creationId xmlns:a16="http://schemas.microsoft.com/office/drawing/2014/main" id="{0210BC02-8658-4B5F-AD89-48039BF70D0A}"/>
-              </a:ext>
-            </a:extLst>
-          </p:cNvPr>
-          <p:cNvSpPr/>
-          <p:nvPr/>
-        </p:nvSpPr>
-        <p:spPr>
-          <a:xfrm>
-            <a:off x="3138721" y="4458570"/>
-            <a:ext cx="725490" cy="255133"/>
-          </a:xfrm>
-          <a:prstGeom prst="roundRect">
-            <a:avLst/>
-          </a:prstGeom>
-        </p:spPr>
-        <p:style>
-          <a:lnRef idx="2">
-            <a:schemeClr val="accent3">
-              <a:shade val="50000"/>
-            </a:schemeClr>
-          </a:lnRef>
-          <a:fillRef idx="1">
-            <a:schemeClr val="accent3"/>
-          </a:fillRef>
-          <a:effectRef idx="0">
-            <a:schemeClr val="accent3"/>
-          </a:effectRef>
-          <a:fontRef idx="minor">
-            <a:schemeClr val="lt1"/>
-          </a:fontRef>
-        </p:style>
-        <p:txBody>
-          <a:bodyPr rtlCol="0" anchor="ctr"/>
-          <a:lstStyle/>
-          <a:p>
-            <a:pPr algn="ctr"/>
-            <a:r>
-              <a:rPr lang="ko-KR" altLang="en-US" sz="1000" dirty="0"/>
-              <a:t>리스트</a:t>
             </a:r>
           </a:p>
         </p:txBody>
